--- a/IETF 102 PCE WG Association GROUP.pptx
+++ b/IETF 102 PCE WG Association GROUP.pptx
@@ -5871,23 +5871,23 @@
     </dgm:pt>
   </dgm:ptLst>
   <dgm:cxnLst>
+    <dgm:cxn modelId="{23B6A682-331E-418D-AFA2-1E4A7B572954}" type="presOf" srcId="{36C5098B-33CD-478E-811A-061720D199F6}" destId="{C5C2C62E-C216-4E8C-8AE2-10121EBA80E1}" srcOrd="0" destOrd="2" presId="urn:microsoft.com/office/officeart/2005/8/layout/vList2"/>
+    <dgm:cxn modelId="{7F45A620-962E-42A2-BD30-5115D503190D}" srcId="{2769E779-9A49-4834-887D-7666A6DDB48F}" destId="{F3E7FBA6-DC51-47B2-B378-D1CD78C2326C}" srcOrd="0" destOrd="0" parTransId="{707CA138-5B85-4CC3-A56E-37CA2467C9A4}" sibTransId="{DC052F31-3BEA-42C3-8525-D3F7DC1C93C2}"/>
+    <dgm:cxn modelId="{10FCEB64-F492-4DC0-919E-201D183F76F5}" type="presOf" srcId="{3352CEF8-4FFD-4310-8B3D-C01F96E154D0}" destId="{663F6095-5EA6-4486-BFB2-767F3FB2AA72}" srcOrd="0" destOrd="0" presId="urn:microsoft.com/office/officeart/2005/8/layout/vList2"/>
+    <dgm:cxn modelId="{84409963-B35D-493B-AD39-05CBD6F431EA}" srcId="{2769E779-9A49-4834-887D-7666A6DDB48F}" destId="{36C5098B-33CD-478E-811A-061720D199F6}" srcOrd="1" destOrd="0" parTransId="{31A31488-D99B-4148-9854-DBCDF78F01AF}" sibTransId="{BA1095E4-8857-42C6-98AD-FE43F2600E7E}"/>
+    <dgm:cxn modelId="{05C682BB-945E-40E7-8F79-B12EC6EEF894}" srcId="{593EB891-C0A6-4364-AEF2-B29606ED70DB}" destId="{3352CEF8-4FFD-4310-8B3D-C01F96E154D0}" srcOrd="0" destOrd="0" parTransId="{A8875E38-149E-4436-B9E6-EA7818EE3027}" sibTransId="{F4AFEF06-68BA-4D1D-BF26-1F9069756781}"/>
+    <dgm:cxn modelId="{1C40E584-9732-414E-ADD7-25D418DF9B96}" type="presOf" srcId="{2769E779-9A49-4834-887D-7666A6DDB48F}" destId="{C5C2C62E-C216-4E8C-8AE2-10121EBA80E1}" srcOrd="0" destOrd="0" presId="urn:microsoft.com/office/officeart/2005/8/layout/vList2"/>
+    <dgm:cxn modelId="{32BBC068-7FE5-4E51-992B-CC97DD58CBA7}" type="presOf" srcId="{593EB891-C0A6-4364-AEF2-B29606ED70DB}" destId="{0AF19F25-C6DD-4108-980B-0D6E4F1AB0E5}" srcOrd="0" destOrd="0" presId="urn:microsoft.com/office/officeart/2005/8/layout/vList2"/>
+    <dgm:cxn modelId="{77D272F8-A328-4E02-8A84-EA29BFE96ABA}" type="presOf" srcId="{2C61F730-C64E-4648-AE52-2F79EFBBDA32}" destId="{663F6095-5EA6-4486-BFB2-767F3FB2AA72}" srcOrd="0" destOrd="1" presId="urn:microsoft.com/office/officeart/2005/8/layout/vList2"/>
+    <dgm:cxn modelId="{DDAA6809-A682-45E4-A500-2430FC71E037}" srcId="{593EB891-C0A6-4364-AEF2-B29606ED70DB}" destId="{2C61F730-C64E-4648-AE52-2F79EFBBDA32}" srcOrd="1" destOrd="0" parTransId="{BC5910D4-EDDF-40D7-88ED-0A5669FBF4B6}" sibTransId="{E61767FB-9411-47BE-B1ED-0106563F8368}"/>
+    <dgm:cxn modelId="{68EC2242-A91D-4D89-8C29-080BB874AE94}" srcId="{0483A853-9311-482F-B391-3BB77A052207}" destId="{593EB891-C0A6-4364-AEF2-B29606ED70DB}" srcOrd="0" destOrd="0" parTransId="{B92C8DF2-5ED5-4915-B6ED-D00ABF40DE05}" sibTransId="{D7B47493-52A4-41AA-B1DD-A0CA6E432DEA}"/>
+    <dgm:cxn modelId="{D3FB0751-0BBC-4D58-A84A-9CC74472F448}" type="presOf" srcId="{F3E23E80-8ABD-4509-ABC6-86BFBCEE6B36}" destId="{D9C80B94-E1E1-48FF-940C-853665020A9B}" srcOrd="0" destOrd="0" presId="urn:microsoft.com/office/officeart/2005/8/layout/vList2"/>
+    <dgm:cxn modelId="{5E214072-F6E5-4FE2-ADBE-20D5C0EA520E}" type="presOf" srcId="{0483A853-9311-482F-B391-3BB77A052207}" destId="{1B991455-68F8-4437-9E11-88EFA4F95F63}" srcOrd="0" destOrd="0" presId="urn:microsoft.com/office/officeart/2005/8/layout/vList2"/>
+    <dgm:cxn modelId="{9BD1F568-5145-4FD6-A340-63822E3F5586}" srcId="{593EB891-C0A6-4364-AEF2-B29606ED70DB}" destId="{9C73052D-7996-4220-AC37-3BD6486BAA7B}" srcOrd="2" destOrd="0" parTransId="{7719333B-424B-4F56-A7A6-12F9F609668D}" sibTransId="{60104B16-1FFB-48DA-AFBC-5B6E5B327027}"/>
+    <dgm:cxn modelId="{323E33B8-3960-4F47-991C-208AD853A1AA}" srcId="{0483A853-9311-482F-B391-3BB77A052207}" destId="{F3E23E80-8ABD-4509-ABC6-86BFBCEE6B36}" srcOrd="1" destOrd="0" parTransId="{E8209691-F9C4-401D-BFF3-582696B8B3B3}" sibTransId="{C9D2430A-6F92-415C-8F55-931B42FC0101}"/>
+    <dgm:cxn modelId="{4D9CD067-6C52-4132-B5FA-98413071EA27}" type="presOf" srcId="{9C73052D-7996-4220-AC37-3BD6486BAA7B}" destId="{663F6095-5EA6-4486-BFB2-767F3FB2AA72}" srcOrd="0" destOrd="2" presId="urn:microsoft.com/office/officeart/2005/8/layout/vList2"/>
+    <dgm:cxn modelId="{D7B81D30-9E88-43A7-8852-62AF6CB73A53}" srcId="{F3E23E80-8ABD-4509-ABC6-86BFBCEE6B36}" destId="{2769E779-9A49-4834-887D-7666A6DDB48F}" srcOrd="0" destOrd="0" parTransId="{AC2A957D-46AC-48C4-8A36-1E4EDBCD3769}" sibTransId="{A4712973-7CE5-47C6-AACC-E17A1D258D2A}"/>
     <dgm:cxn modelId="{5358568F-094A-4323-B634-8E33835C3C28}" type="presOf" srcId="{F3E7FBA6-DC51-47B2-B378-D1CD78C2326C}" destId="{C5C2C62E-C216-4E8C-8AE2-10121EBA80E1}" srcOrd="0" destOrd="1" presId="urn:microsoft.com/office/officeart/2005/8/layout/vList2"/>
-    <dgm:cxn modelId="{DDAA6809-A682-45E4-A500-2430FC71E037}" srcId="{593EB891-C0A6-4364-AEF2-B29606ED70DB}" destId="{2C61F730-C64E-4648-AE52-2F79EFBBDA32}" srcOrd="1" destOrd="0" parTransId="{BC5910D4-EDDF-40D7-88ED-0A5669FBF4B6}" sibTransId="{E61767FB-9411-47BE-B1ED-0106563F8368}"/>
-    <dgm:cxn modelId="{1C40E584-9732-414E-ADD7-25D418DF9B96}" type="presOf" srcId="{2769E779-9A49-4834-887D-7666A6DDB48F}" destId="{C5C2C62E-C216-4E8C-8AE2-10121EBA80E1}" srcOrd="0" destOrd="0" presId="urn:microsoft.com/office/officeart/2005/8/layout/vList2"/>
-    <dgm:cxn modelId="{5E214072-F6E5-4FE2-ADBE-20D5C0EA520E}" type="presOf" srcId="{0483A853-9311-482F-B391-3BB77A052207}" destId="{1B991455-68F8-4437-9E11-88EFA4F95F63}" srcOrd="0" destOrd="0" presId="urn:microsoft.com/office/officeart/2005/8/layout/vList2"/>
-    <dgm:cxn modelId="{323E33B8-3960-4F47-991C-208AD853A1AA}" srcId="{0483A853-9311-482F-B391-3BB77A052207}" destId="{F3E23E80-8ABD-4509-ABC6-86BFBCEE6B36}" srcOrd="1" destOrd="0" parTransId="{E8209691-F9C4-401D-BFF3-582696B8B3B3}" sibTransId="{C9D2430A-6F92-415C-8F55-931B42FC0101}"/>
-    <dgm:cxn modelId="{68EC2242-A91D-4D89-8C29-080BB874AE94}" srcId="{0483A853-9311-482F-B391-3BB77A052207}" destId="{593EB891-C0A6-4364-AEF2-B29606ED70DB}" srcOrd="0" destOrd="0" parTransId="{B92C8DF2-5ED5-4915-B6ED-D00ABF40DE05}" sibTransId="{D7B47493-52A4-41AA-B1DD-A0CA6E432DEA}"/>
-    <dgm:cxn modelId="{32BBC068-7FE5-4E51-992B-CC97DD58CBA7}" type="presOf" srcId="{593EB891-C0A6-4364-AEF2-B29606ED70DB}" destId="{0AF19F25-C6DD-4108-980B-0D6E4F1AB0E5}" srcOrd="0" destOrd="0" presId="urn:microsoft.com/office/officeart/2005/8/layout/vList2"/>
-    <dgm:cxn modelId="{84409963-B35D-493B-AD39-05CBD6F431EA}" srcId="{2769E779-9A49-4834-887D-7666A6DDB48F}" destId="{36C5098B-33CD-478E-811A-061720D199F6}" srcOrd="1" destOrd="0" parTransId="{31A31488-D99B-4148-9854-DBCDF78F01AF}" sibTransId="{BA1095E4-8857-42C6-98AD-FE43F2600E7E}"/>
-    <dgm:cxn modelId="{9BD1F568-5145-4FD6-A340-63822E3F5586}" srcId="{593EB891-C0A6-4364-AEF2-B29606ED70DB}" destId="{9C73052D-7996-4220-AC37-3BD6486BAA7B}" srcOrd="2" destOrd="0" parTransId="{7719333B-424B-4F56-A7A6-12F9F609668D}" sibTransId="{60104B16-1FFB-48DA-AFBC-5B6E5B327027}"/>
-    <dgm:cxn modelId="{D3FB0751-0BBC-4D58-A84A-9CC74472F448}" type="presOf" srcId="{F3E23E80-8ABD-4509-ABC6-86BFBCEE6B36}" destId="{D9C80B94-E1E1-48FF-940C-853665020A9B}" srcOrd="0" destOrd="0" presId="urn:microsoft.com/office/officeart/2005/8/layout/vList2"/>
-    <dgm:cxn modelId="{23B6A682-331E-418D-AFA2-1E4A7B572954}" type="presOf" srcId="{36C5098B-33CD-478E-811A-061720D199F6}" destId="{C5C2C62E-C216-4E8C-8AE2-10121EBA80E1}" srcOrd="0" destOrd="2" presId="urn:microsoft.com/office/officeart/2005/8/layout/vList2"/>
-    <dgm:cxn modelId="{05C682BB-945E-40E7-8F79-B12EC6EEF894}" srcId="{593EB891-C0A6-4364-AEF2-B29606ED70DB}" destId="{3352CEF8-4FFD-4310-8B3D-C01F96E154D0}" srcOrd="0" destOrd="0" parTransId="{A8875E38-149E-4436-B9E6-EA7818EE3027}" sibTransId="{F4AFEF06-68BA-4D1D-BF26-1F9069756781}"/>
-    <dgm:cxn modelId="{7F45A620-962E-42A2-BD30-5115D503190D}" srcId="{2769E779-9A49-4834-887D-7666A6DDB48F}" destId="{F3E7FBA6-DC51-47B2-B378-D1CD78C2326C}" srcOrd="0" destOrd="0" parTransId="{707CA138-5B85-4CC3-A56E-37CA2467C9A4}" sibTransId="{DC052F31-3BEA-42C3-8525-D3F7DC1C93C2}"/>
-    <dgm:cxn modelId="{77D272F8-A328-4E02-8A84-EA29BFE96ABA}" type="presOf" srcId="{2C61F730-C64E-4648-AE52-2F79EFBBDA32}" destId="{663F6095-5EA6-4486-BFB2-767F3FB2AA72}" srcOrd="0" destOrd="1" presId="urn:microsoft.com/office/officeart/2005/8/layout/vList2"/>
-    <dgm:cxn modelId="{10FCEB64-F492-4DC0-919E-201D183F76F5}" type="presOf" srcId="{3352CEF8-4FFD-4310-8B3D-C01F96E154D0}" destId="{663F6095-5EA6-4486-BFB2-767F3FB2AA72}" srcOrd="0" destOrd="0" presId="urn:microsoft.com/office/officeart/2005/8/layout/vList2"/>
-    <dgm:cxn modelId="{D7B81D30-9E88-43A7-8852-62AF6CB73A53}" srcId="{F3E23E80-8ABD-4509-ABC6-86BFBCEE6B36}" destId="{2769E779-9A49-4834-887D-7666A6DDB48F}" srcOrd="0" destOrd="0" parTransId="{AC2A957D-46AC-48C4-8A36-1E4EDBCD3769}" sibTransId="{A4712973-7CE5-47C6-AACC-E17A1D258D2A}"/>
-    <dgm:cxn modelId="{4D9CD067-6C52-4132-B5FA-98413071EA27}" type="presOf" srcId="{9C73052D-7996-4220-AC37-3BD6486BAA7B}" destId="{663F6095-5EA6-4486-BFB2-767F3FB2AA72}" srcOrd="0" destOrd="2" presId="urn:microsoft.com/office/officeart/2005/8/layout/vList2"/>
     <dgm:cxn modelId="{C6F085F9-D36A-4074-B1B4-D1802078F329}" type="presParOf" srcId="{1B991455-68F8-4437-9E11-88EFA4F95F63}" destId="{0AF19F25-C6DD-4108-980B-0D6E4F1AB0E5}" srcOrd="0" destOrd="0" presId="urn:microsoft.com/office/officeart/2005/8/layout/vList2"/>
     <dgm:cxn modelId="{F387CDE4-DEBF-4F60-A9C1-20C4B33506B0}" type="presParOf" srcId="{1B991455-68F8-4437-9E11-88EFA4F95F63}" destId="{663F6095-5EA6-4486-BFB2-767F3FB2AA72}" srcOrd="1" destOrd="0" presId="urn:microsoft.com/office/officeart/2005/8/layout/vList2"/>
     <dgm:cxn modelId="{35673F90-0DF2-4332-A152-F4AAEC749E84}" type="presParOf" srcId="{1B991455-68F8-4437-9E11-88EFA4F95F63}" destId="{D9C80B94-E1E1-48FF-940C-853665020A9B}" srcOrd="2" destOrd="0" presId="urn:microsoft.com/office/officeart/2005/8/layout/vList2"/>
@@ -6563,931 +6563,6 @@
       <dsp:cNvGrpSpPr/>
     </dsp:nvGrpSpPr>
     <dsp:grpSpPr/>
-    <dsp:sp modelId="{159DB998-DD1E-4E7B-B8DB-4FDC9F205293}">
-      <dsp:nvSpPr>
-        <dsp:cNvPr id="0" name=""/>
-        <dsp:cNvSpPr/>
-      </dsp:nvSpPr>
-      <dsp:spPr>
-        <a:xfrm>
-          <a:off x="0" y="0"/>
-          <a:ext cx="10058399" cy="886536"/>
-        </a:xfrm>
-        <a:prstGeom prst="rect">
-          <a:avLst/>
-        </a:prstGeom>
-        <a:solidFill>
-          <a:schemeClr val="accent5">
-            <a:shade val="90000"/>
-            <a:hueOff val="0"/>
-            <a:satOff val="0"/>
-            <a:lumOff val="0"/>
-            <a:alphaOff val="0"/>
-          </a:schemeClr>
-        </a:solidFill>
-        <a:ln>
-          <a:noFill/>
-        </a:ln>
-        <a:effectLst/>
-      </dsp:spPr>
-      <dsp:style>
-        <a:lnRef idx="0">
-          <a:scrgbClr r="0" g="0" b="0"/>
-        </a:lnRef>
-        <a:fillRef idx="1">
-          <a:scrgbClr r="0" g="0" b="0"/>
-        </a:fillRef>
-        <a:effectRef idx="0">
-          <a:scrgbClr r="0" g="0" b="0"/>
-        </a:effectRef>
-        <a:fontRef idx="minor"/>
-      </dsp:style>
-      <dsp:txBody>
-        <a:bodyPr spcFirstLastPara="0" vert="horz" wrap="square" lIns="156210" tIns="156210" rIns="156210" bIns="156210" numCol="1" spcCol="1270" anchor="ctr" anchorCtr="0">
-          <a:noAutofit/>
-        </a:bodyPr>
-        <a:lstStyle/>
-        <a:p>
-          <a:pPr lvl="0" algn="ctr" defTabSz="1822450">
-            <a:lnSpc>
-              <a:spcPct val="90000"/>
-            </a:lnSpc>
-            <a:spcBef>
-              <a:spcPct val="0"/>
-            </a:spcBef>
-            <a:spcAft>
-              <a:spcPct val="35000"/>
-            </a:spcAft>
-          </a:pPr>
-          <a:r>
-            <a:rPr lang="en-IN" sz="4100" kern="1200" smtClean="0"/>
-            <a:t>draft-ietf-pce-association-group</a:t>
-          </a:r>
-          <a:endParaRPr lang="en-IN" sz="4100" kern="1200"/>
-        </a:p>
-      </dsp:txBody>
-      <dsp:txXfrm>
-        <a:off x="0" y="0"/>
-        <a:ext cx="10058399" cy="886536"/>
-      </dsp:txXfrm>
-    </dsp:sp>
-    <dsp:sp modelId="{32B4DC66-0FDF-41B1-B093-395CB539D9EF}">
-      <dsp:nvSpPr>
-        <dsp:cNvPr id="0" name=""/>
-        <dsp:cNvSpPr/>
-      </dsp:nvSpPr>
-      <dsp:spPr>
-        <a:xfrm>
-          <a:off x="1227" y="886536"/>
-          <a:ext cx="1117327" cy="1861727"/>
-        </a:xfrm>
-        <a:prstGeom prst="rect">
-          <a:avLst/>
-        </a:prstGeom>
-        <a:solidFill>
-          <a:schemeClr val="accent5">
-            <a:hueOff val="0"/>
-            <a:satOff val="0"/>
-            <a:lumOff val="0"/>
-            <a:alphaOff val="0"/>
-          </a:schemeClr>
-        </a:solidFill>
-        <a:ln w="12700" cap="flat" cmpd="sng" algn="ctr">
-          <a:solidFill>
-            <a:schemeClr val="lt1">
-              <a:hueOff val="0"/>
-              <a:satOff val="0"/>
-              <a:lumOff val="0"/>
-              <a:alphaOff val="0"/>
-            </a:schemeClr>
-          </a:solidFill>
-          <a:prstDash val="solid"/>
-        </a:ln>
-        <a:effectLst/>
-      </dsp:spPr>
-      <dsp:style>
-        <a:lnRef idx="2">
-          <a:scrgbClr r="0" g="0" b="0"/>
-        </a:lnRef>
-        <a:fillRef idx="1">
-          <a:scrgbClr r="0" g="0" b="0"/>
-        </a:fillRef>
-        <a:effectRef idx="0">
-          <a:scrgbClr r="0" g="0" b="0"/>
-        </a:effectRef>
-        <a:fontRef idx="minor">
-          <a:schemeClr val="lt1"/>
-        </a:fontRef>
-      </dsp:style>
-      <dsp:txBody>
-        <a:bodyPr spcFirstLastPara="0" vert="horz" wrap="square" lIns="60960" tIns="60960" rIns="60960" bIns="60960" numCol="1" spcCol="1270" anchor="ctr" anchorCtr="0">
-          <a:noAutofit/>
-        </a:bodyPr>
-        <a:lstStyle/>
-        <a:p>
-          <a:pPr lvl="0" algn="ctr" defTabSz="711200">
-            <a:lnSpc>
-              <a:spcPct val="90000"/>
-            </a:lnSpc>
-            <a:spcBef>
-              <a:spcPct val="0"/>
-            </a:spcBef>
-            <a:spcAft>
-              <a:spcPct val="35000"/>
-            </a:spcAft>
-          </a:pPr>
-          <a:r>
-            <a:rPr lang="en-IN" sz="1600" kern="1200" dirty="0" smtClean="0"/>
-            <a:t>draft-</a:t>
-          </a:r>
-          <a:r>
-            <a:rPr lang="en-IN" sz="1600" kern="1200" dirty="0" err="1" smtClean="0"/>
-            <a:t>ietf</a:t>
-          </a:r>
-          <a:r>
-            <a:rPr lang="en-IN" sz="1600" kern="1200" dirty="0" smtClean="0"/>
-            <a:t>-</a:t>
-          </a:r>
-          <a:r>
-            <a:rPr lang="en-IN" sz="1600" kern="1200" dirty="0" err="1" smtClean="0"/>
-            <a:t>pce</a:t>
-          </a:r>
-          <a:r>
-            <a:rPr lang="en-IN" sz="1600" kern="1200" dirty="0" smtClean="0"/>
-            <a:t>-association-diversity</a:t>
-          </a:r>
-          <a:endParaRPr lang="en-IN" sz="1600" kern="1200" dirty="0"/>
-        </a:p>
-      </dsp:txBody>
-      <dsp:txXfrm>
-        <a:off x="1227" y="886536"/>
-        <a:ext cx="1117327" cy="1861727"/>
-      </dsp:txXfrm>
-    </dsp:sp>
-    <dsp:sp modelId="{F71C67E1-1E78-4BA5-9572-1B453C2443CF}">
-      <dsp:nvSpPr>
-        <dsp:cNvPr id="0" name=""/>
-        <dsp:cNvSpPr/>
-      </dsp:nvSpPr>
-      <dsp:spPr>
-        <a:xfrm>
-          <a:off x="1118554" y="886536"/>
-          <a:ext cx="1117327" cy="1861727"/>
-        </a:xfrm>
-        <a:prstGeom prst="rect">
-          <a:avLst/>
-        </a:prstGeom>
-        <a:solidFill>
-          <a:schemeClr val="accent5">
-            <a:hueOff val="-1247718"/>
-            <a:satOff val="-1932"/>
-            <a:lumOff val="0"/>
-            <a:alphaOff val="0"/>
-          </a:schemeClr>
-        </a:solidFill>
-        <a:ln w="12700" cap="flat" cmpd="sng" algn="ctr">
-          <a:solidFill>
-            <a:schemeClr val="lt1">
-              <a:hueOff val="0"/>
-              <a:satOff val="0"/>
-              <a:lumOff val="0"/>
-              <a:alphaOff val="0"/>
-            </a:schemeClr>
-          </a:solidFill>
-          <a:prstDash val="solid"/>
-        </a:ln>
-        <a:effectLst/>
-      </dsp:spPr>
-      <dsp:style>
-        <a:lnRef idx="2">
-          <a:scrgbClr r="0" g="0" b="0"/>
-        </a:lnRef>
-        <a:fillRef idx="1">
-          <a:scrgbClr r="0" g="0" b="0"/>
-        </a:fillRef>
-        <a:effectRef idx="0">
-          <a:scrgbClr r="0" g="0" b="0"/>
-        </a:effectRef>
-        <a:fontRef idx="minor">
-          <a:schemeClr val="lt1"/>
-        </a:fontRef>
-      </dsp:style>
-      <dsp:txBody>
-        <a:bodyPr spcFirstLastPara="0" vert="horz" wrap="square" lIns="60960" tIns="60960" rIns="60960" bIns="60960" numCol="1" spcCol="1270" anchor="ctr" anchorCtr="0">
-          <a:noAutofit/>
-        </a:bodyPr>
-        <a:lstStyle/>
-        <a:p>
-          <a:pPr lvl="0" algn="ctr" defTabSz="711200">
-            <a:lnSpc>
-              <a:spcPct val="90000"/>
-            </a:lnSpc>
-            <a:spcBef>
-              <a:spcPct val="0"/>
-            </a:spcBef>
-            <a:spcAft>
-              <a:spcPct val="35000"/>
-            </a:spcAft>
-          </a:pPr>
-          <a:r>
-            <a:rPr lang="en-IN" sz="1600" kern="1200" dirty="0" smtClean="0"/>
-            <a:t>draft-</a:t>
-          </a:r>
-          <a:r>
-            <a:rPr lang="en-IN" sz="1600" kern="1200" dirty="0" err="1" smtClean="0"/>
-            <a:t>ietf</a:t>
-          </a:r>
-          <a:r>
-            <a:rPr lang="en-IN" sz="1600" kern="1200" dirty="0" smtClean="0"/>
-            <a:t>-</a:t>
-          </a:r>
-          <a:r>
-            <a:rPr lang="en-IN" sz="1600" kern="1200" dirty="0" err="1" smtClean="0"/>
-            <a:t>pce</a:t>
-          </a:r>
-          <a:r>
-            <a:rPr lang="en-IN" sz="1600" kern="1200" dirty="0" smtClean="0"/>
-            <a:t>-association-policy</a:t>
-          </a:r>
-          <a:endParaRPr lang="en-IN" sz="1600" kern="1200" dirty="0"/>
-        </a:p>
-      </dsp:txBody>
-      <dsp:txXfrm>
-        <a:off x="1118554" y="886536"/>
-        <a:ext cx="1117327" cy="1861727"/>
-      </dsp:txXfrm>
-    </dsp:sp>
-    <dsp:sp modelId="{31378C65-4347-4B5B-8E18-6815666DC397}">
-      <dsp:nvSpPr>
-        <dsp:cNvPr id="0" name=""/>
-        <dsp:cNvSpPr/>
-      </dsp:nvSpPr>
-      <dsp:spPr>
-        <a:xfrm>
-          <a:off x="2235882" y="886536"/>
-          <a:ext cx="1117327" cy="1861727"/>
-        </a:xfrm>
-        <a:prstGeom prst="rect">
-          <a:avLst/>
-        </a:prstGeom>
-        <a:solidFill>
-          <a:schemeClr val="accent5">
-            <a:hueOff val="-2495436"/>
-            <a:satOff val="-3864"/>
-            <a:lumOff val="0"/>
-            <a:alphaOff val="0"/>
-          </a:schemeClr>
-        </a:solidFill>
-        <a:ln w="12700" cap="flat" cmpd="sng" algn="ctr">
-          <a:solidFill>
-            <a:schemeClr val="lt1">
-              <a:hueOff val="0"/>
-              <a:satOff val="0"/>
-              <a:lumOff val="0"/>
-              <a:alphaOff val="0"/>
-            </a:schemeClr>
-          </a:solidFill>
-          <a:prstDash val="solid"/>
-        </a:ln>
-        <a:effectLst/>
-      </dsp:spPr>
-      <dsp:style>
-        <a:lnRef idx="2">
-          <a:scrgbClr r="0" g="0" b="0"/>
-        </a:lnRef>
-        <a:fillRef idx="1">
-          <a:scrgbClr r="0" g="0" b="0"/>
-        </a:fillRef>
-        <a:effectRef idx="0">
-          <a:scrgbClr r="0" g="0" b="0"/>
-        </a:effectRef>
-        <a:fontRef idx="minor">
-          <a:schemeClr val="lt1"/>
-        </a:fontRef>
-      </dsp:style>
-      <dsp:txBody>
-        <a:bodyPr spcFirstLastPara="0" vert="horz" wrap="square" lIns="60960" tIns="60960" rIns="60960" bIns="60960" numCol="1" spcCol="1270" anchor="ctr" anchorCtr="0">
-          <a:noAutofit/>
-        </a:bodyPr>
-        <a:lstStyle/>
-        <a:p>
-          <a:pPr lvl="0" algn="ctr" defTabSz="711200">
-            <a:lnSpc>
-              <a:spcPct val="90000"/>
-            </a:lnSpc>
-            <a:spcBef>
-              <a:spcPct val="0"/>
-            </a:spcBef>
-            <a:spcAft>
-              <a:spcPct val="35000"/>
-            </a:spcAft>
-          </a:pPr>
-          <a:r>
-            <a:rPr lang="en-IN" sz="1600" kern="1200" dirty="0" smtClean="0"/>
-            <a:t>draft-</a:t>
-          </a:r>
-          <a:r>
-            <a:rPr lang="en-IN" sz="1600" kern="1200" dirty="0" err="1" smtClean="0"/>
-            <a:t>ietf</a:t>
-          </a:r>
-          <a:r>
-            <a:rPr lang="en-IN" sz="1600" kern="1200" dirty="0" smtClean="0"/>
-            <a:t>-</a:t>
-          </a:r>
-          <a:r>
-            <a:rPr lang="en-IN" sz="1600" kern="1200" dirty="0" err="1" smtClean="0"/>
-            <a:t>pce</a:t>
-          </a:r>
-          <a:r>
-            <a:rPr lang="en-IN" sz="1600" kern="1200" dirty="0" smtClean="0"/>
-            <a:t>-</a:t>
-          </a:r>
-          <a:r>
-            <a:rPr lang="en-IN" sz="1600" kern="1200" dirty="0" err="1" smtClean="0"/>
-            <a:t>stateful</a:t>
-          </a:r>
-          <a:r>
-            <a:rPr lang="en-IN" sz="1600" kern="1200" dirty="0" smtClean="0"/>
-            <a:t>-path-protection</a:t>
-          </a:r>
-          <a:endParaRPr lang="en-IN" sz="1600" kern="1200" dirty="0"/>
-        </a:p>
-      </dsp:txBody>
-      <dsp:txXfrm>
-        <a:off x="2235882" y="886536"/>
-        <a:ext cx="1117327" cy="1861727"/>
-      </dsp:txXfrm>
-    </dsp:sp>
-    <dsp:sp modelId="{C19480BF-04A8-4004-9D01-4398BF8254D2}">
-      <dsp:nvSpPr>
-        <dsp:cNvPr id="0" name=""/>
-        <dsp:cNvSpPr/>
-      </dsp:nvSpPr>
-      <dsp:spPr>
-        <a:xfrm>
-          <a:off x="3353209" y="886536"/>
-          <a:ext cx="1117327" cy="1861727"/>
-        </a:xfrm>
-        <a:prstGeom prst="rect">
-          <a:avLst/>
-        </a:prstGeom>
-        <a:solidFill>
-          <a:schemeClr val="accent5">
-            <a:hueOff val="-3743154"/>
-            <a:satOff val="-5795"/>
-            <a:lumOff val="0"/>
-            <a:alphaOff val="0"/>
-          </a:schemeClr>
-        </a:solidFill>
-        <a:ln w="12700" cap="flat" cmpd="sng" algn="ctr">
-          <a:solidFill>
-            <a:schemeClr val="lt1">
-              <a:hueOff val="0"/>
-              <a:satOff val="0"/>
-              <a:lumOff val="0"/>
-              <a:alphaOff val="0"/>
-            </a:schemeClr>
-          </a:solidFill>
-          <a:prstDash val="solid"/>
-        </a:ln>
-        <a:effectLst/>
-      </dsp:spPr>
-      <dsp:style>
-        <a:lnRef idx="2">
-          <a:scrgbClr r="0" g="0" b="0"/>
-        </a:lnRef>
-        <a:fillRef idx="1">
-          <a:scrgbClr r="0" g="0" b="0"/>
-        </a:fillRef>
-        <a:effectRef idx="0">
-          <a:scrgbClr r="0" g="0" b="0"/>
-        </a:effectRef>
-        <a:fontRef idx="minor">
-          <a:schemeClr val="lt1"/>
-        </a:fontRef>
-      </dsp:style>
-      <dsp:txBody>
-        <a:bodyPr spcFirstLastPara="0" vert="horz" wrap="square" lIns="60960" tIns="60960" rIns="60960" bIns="60960" numCol="1" spcCol="1270" anchor="ctr" anchorCtr="0">
-          <a:noAutofit/>
-        </a:bodyPr>
-        <a:lstStyle/>
-        <a:p>
-          <a:pPr lvl="0" algn="ctr" defTabSz="711200">
-            <a:lnSpc>
-              <a:spcPct val="90000"/>
-            </a:lnSpc>
-            <a:spcBef>
-              <a:spcPct val="0"/>
-            </a:spcBef>
-            <a:spcAft>
-              <a:spcPct val="35000"/>
-            </a:spcAft>
-          </a:pPr>
-          <a:r>
-            <a:rPr lang="en-IN" sz="1600" kern="1200" dirty="0" smtClean="0"/>
-            <a:t>draft-</a:t>
-          </a:r>
-          <a:r>
-            <a:rPr lang="en-IN" sz="1600" kern="1200" dirty="0" err="1" smtClean="0"/>
-            <a:t>ietf</a:t>
-          </a:r>
-          <a:r>
-            <a:rPr lang="en-IN" sz="1600" kern="1200" dirty="0" smtClean="0"/>
-            <a:t>-</a:t>
-          </a:r>
-          <a:r>
-            <a:rPr lang="en-IN" sz="1600" kern="1200" dirty="0" err="1" smtClean="0"/>
-            <a:t>pce</a:t>
-          </a:r>
-          <a:r>
-            <a:rPr lang="en-IN" sz="1600" kern="1200" dirty="0" smtClean="0"/>
-            <a:t>-association-</a:t>
-          </a:r>
-          <a:r>
-            <a:rPr lang="en-IN" sz="1600" kern="1200" dirty="0" err="1" smtClean="0"/>
-            <a:t>bidir</a:t>
-          </a:r>
-          <a:endParaRPr lang="en-IN" sz="1600" kern="1200" dirty="0"/>
-        </a:p>
-      </dsp:txBody>
-      <dsp:txXfrm>
-        <a:off x="3353209" y="886536"/>
-        <a:ext cx="1117327" cy="1861727"/>
-      </dsp:txXfrm>
-    </dsp:sp>
-    <dsp:sp modelId="{73744D4B-4E31-4595-B2E4-E2F06BE18BDC}">
-      <dsp:nvSpPr>
-        <dsp:cNvPr id="0" name=""/>
-        <dsp:cNvSpPr/>
-      </dsp:nvSpPr>
-      <dsp:spPr>
-        <a:xfrm>
-          <a:off x="4470536" y="886536"/>
-          <a:ext cx="1117327" cy="1861727"/>
-        </a:xfrm>
-        <a:prstGeom prst="rect">
-          <a:avLst/>
-        </a:prstGeom>
-        <a:solidFill>
-          <a:schemeClr val="accent5">
-            <a:hueOff val="-4990872"/>
-            <a:satOff val="-7727"/>
-            <a:lumOff val="0"/>
-            <a:alphaOff val="0"/>
-          </a:schemeClr>
-        </a:solidFill>
-        <a:ln w="12700" cap="flat" cmpd="sng" algn="ctr">
-          <a:solidFill>
-            <a:schemeClr val="lt1">
-              <a:hueOff val="0"/>
-              <a:satOff val="0"/>
-              <a:lumOff val="0"/>
-              <a:alphaOff val="0"/>
-            </a:schemeClr>
-          </a:solidFill>
-          <a:prstDash val="solid"/>
-        </a:ln>
-        <a:effectLst/>
-      </dsp:spPr>
-      <dsp:style>
-        <a:lnRef idx="2">
-          <a:scrgbClr r="0" g="0" b="0"/>
-        </a:lnRef>
-        <a:fillRef idx="1">
-          <a:scrgbClr r="0" g="0" b="0"/>
-        </a:fillRef>
-        <a:effectRef idx="0">
-          <a:scrgbClr r="0" g="0" b="0"/>
-        </a:effectRef>
-        <a:fontRef idx="minor">
-          <a:schemeClr val="lt1"/>
-        </a:fontRef>
-      </dsp:style>
-      <dsp:txBody>
-        <a:bodyPr spcFirstLastPara="0" vert="horz" wrap="square" lIns="60960" tIns="60960" rIns="60960" bIns="60960" numCol="1" spcCol="1270" anchor="ctr" anchorCtr="0">
-          <a:noAutofit/>
-        </a:bodyPr>
-        <a:lstStyle/>
-        <a:p>
-          <a:pPr lvl="0" algn="ctr" defTabSz="711200">
-            <a:lnSpc>
-              <a:spcPct val="90000"/>
-            </a:lnSpc>
-            <a:spcBef>
-              <a:spcPct val="0"/>
-            </a:spcBef>
-            <a:spcAft>
-              <a:spcPct val="35000"/>
-            </a:spcAft>
-          </a:pPr>
-          <a:r>
-            <a:rPr lang="en-IN" sz="1600" kern="1200" smtClean="0"/>
-            <a:t>draft-leedhody-pce-vn-association</a:t>
-          </a:r>
-          <a:endParaRPr lang="en-IN" sz="1600" kern="1200"/>
-        </a:p>
-      </dsp:txBody>
-      <dsp:txXfrm>
-        <a:off x="4470536" y="886536"/>
-        <a:ext cx="1117327" cy="1861727"/>
-      </dsp:txXfrm>
-    </dsp:sp>
-    <dsp:sp modelId="{DAA23DAA-DBF8-49D8-92C3-A939ACBE6BA9}">
-      <dsp:nvSpPr>
-        <dsp:cNvPr id="0" name=""/>
-        <dsp:cNvSpPr/>
-      </dsp:nvSpPr>
-      <dsp:spPr>
-        <a:xfrm>
-          <a:off x="5587863" y="886536"/>
-          <a:ext cx="1117327" cy="1861727"/>
-        </a:xfrm>
-        <a:prstGeom prst="rect">
-          <a:avLst/>
-        </a:prstGeom>
-        <a:solidFill>
-          <a:schemeClr val="accent5">
-            <a:hueOff val="-6238591"/>
-            <a:satOff val="-9659"/>
-            <a:lumOff val="0"/>
-            <a:alphaOff val="0"/>
-          </a:schemeClr>
-        </a:solidFill>
-        <a:ln w="12700" cap="flat" cmpd="sng" algn="ctr">
-          <a:solidFill>
-            <a:schemeClr val="lt1">
-              <a:hueOff val="0"/>
-              <a:satOff val="0"/>
-              <a:lumOff val="0"/>
-              <a:alphaOff val="0"/>
-            </a:schemeClr>
-          </a:solidFill>
-          <a:prstDash val="solid"/>
-        </a:ln>
-        <a:effectLst/>
-      </dsp:spPr>
-      <dsp:style>
-        <a:lnRef idx="2">
-          <a:scrgbClr r="0" g="0" b="0"/>
-        </a:lnRef>
-        <a:fillRef idx="1">
-          <a:scrgbClr r="0" g="0" b="0"/>
-        </a:fillRef>
-        <a:effectRef idx="0">
-          <a:scrgbClr r="0" g="0" b="0"/>
-        </a:effectRef>
-        <a:fontRef idx="minor">
-          <a:schemeClr val="lt1"/>
-        </a:fontRef>
-      </dsp:style>
-      <dsp:txBody>
-        <a:bodyPr spcFirstLastPara="0" vert="horz" wrap="square" lIns="60960" tIns="60960" rIns="60960" bIns="60960" numCol="1" spcCol="1270" anchor="ctr" anchorCtr="0">
-          <a:noAutofit/>
-        </a:bodyPr>
-        <a:lstStyle/>
-        <a:p>
-          <a:pPr lvl="0" algn="ctr" defTabSz="711200">
-            <a:lnSpc>
-              <a:spcPct val="90000"/>
-            </a:lnSpc>
-            <a:spcBef>
-              <a:spcPct val="0"/>
-            </a:spcBef>
-            <a:spcAft>
-              <a:spcPct val="35000"/>
-            </a:spcAft>
-          </a:pPr>
-          <a:r>
-            <a:rPr lang="en-IN" sz="1600" kern="1200" smtClean="0"/>
-            <a:t>draft-li-pce-sr-bidir-path</a:t>
-          </a:r>
-          <a:endParaRPr lang="en-IN" sz="1600" kern="1200"/>
-        </a:p>
-      </dsp:txBody>
-      <dsp:txXfrm>
-        <a:off x="5587863" y="886536"/>
-        <a:ext cx="1117327" cy="1861727"/>
-      </dsp:txXfrm>
-    </dsp:sp>
-    <dsp:sp modelId="{631E564F-E758-4C6C-B31E-9A9A77097283}">
-      <dsp:nvSpPr>
-        <dsp:cNvPr id="0" name=""/>
-        <dsp:cNvSpPr/>
-      </dsp:nvSpPr>
-      <dsp:spPr>
-        <a:xfrm>
-          <a:off x="6705190" y="886536"/>
-          <a:ext cx="1117327" cy="1861727"/>
-        </a:xfrm>
-        <a:prstGeom prst="rect">
-          <a:avLst/>
-        </a:prstGeom>
-        <a:solidFill>
-          <a:schemeClr val="accent5">
-            <a:hueOff val="-7486308"/>
-            <a:satOff val="-11591"/>
-            <a:lumOff val="0"/>
-            <a:alphaOff val="0"/>
-          </a:schemeClr>
-        </a:solidFill>
-        <a:ln w="12700" cap="flat" cmpd="sng" algn="ctr">
-          <a:solidFill>
-            <a:schemeClr val="lt1">
-              <a:hueOff val="0"/>
-              <a:satOff val="0"/>
-              <a:lumOff val="0"/>
-              <a:alphaOff val="0"/>
-            </a:schemeClr>
-          </a:solidFill>
-          <a:prstDash val="solid"/>
-        </a:ln>
-        <a:effectLst/>
-      </dsp:spPr>
-      <dsp:style>
-        <a:lnRef idx="2">
-          <a:scrgbClr r="0" g="0" b="0"/>
-        </a:lnRef>
-        <a:fillRef idx="1">
-          <a:scrgbClr r="0" g="0" b="0"/>
-        </a:fillRef>
-        <a:effectRef idx="0">
-          <a:scrgbClr r="0" g="0" b="0"/>
-        </a:effectRef>
-        <a:fontRef idx="minor">
-          <a:schemeClr val="lt1"/>
-        </a:fontRef>
-      </dsp:style>
-      <dsp:txBody>
-        <a:bodyPr spcFirstLastPara="0" vert="horz" wrap="square" lIns="60960" tIns="60960" rIns="60960" bIns="60960" numCol="1" spcCol="1270" anchor="ctr" anchorCtr="0">
-          <a:noAutofit/>
-        </a:bodyPr>
-        <a:lstStyle/>
-        <a:p>
-          <a:pPr lvl="0" algn="ctr" defTabSz="711200">
-            <a:lnSpc>
-              <a:spcPct val="90000"/>
-            </a:lnSpc>
-            <a:spcBef>
-              <a:spcPct val="0"/>
-            </a:spcBef>
-            <a:spcAft>
-              <a:spcPct val="35000"/>
-            </a:spcAft>
-          </a:pPr>
-          <a:r>
-            <a:rPr lang="en-IN" sz="1600" kern="1200" dirty="0" smtClean="0"/>
-            <a:t>draft-</a:t>
-          </a:r>
-          <a:r>
-            <a:rPr lang="en-IN" sz="1600" kern="1200" dirty="0" err="1" smtClean="0"/>
-            <a:t>zhang</a:t>
-          </a:r>
-          <a:r>
-            <a:rPr lang="en-IN" sz="1600" kern="1200" dirty="0" smtClean="0"/>
-            <a:t>-</a:t>
-          </a:r>
-          <a:r>
-            <a:rPr lang="en-IN" sz="1600" kern="1200" dirty="0" err="1" smtClean="0"/>
-            <a:t>pce</a:t>
-          </a:r>
-          <a:r>
-            <a:rPr lang="en-IN" sz="1600" kern="1200" dirty="0" smtClean="0"/>
-            <a:t>-resource-sharing</a:t>
-          </a:r>
-          <a:endParaRPr lang="en-IN" sz="1600" kern="1200" dirty="0"/>
-        </a:p>
-      </dsp:txBody>
-      <dsp:txXfrm>
-        <a:off x="6705190" y="886536"/>
-        <a:ext cx="1117327" cy="1861727"/>
-      </dsp:txXfrm>
-    </dsp:sp>
-    <dsp:sp modelId="{78EAE2C5-860D-4A3D-AB01-196187BA79B6}">
-      <dsp:nvSpPr>
-        <dsp:cNvPr id="0" name=""/>
-        <dsp:cNvSpPr/>
-      </dsp:nvSpPr>
-      <dsp:spPr>
-        <a:xfrm>
-          <a:off x="7822517" y="886536"/>
-          <a:ext cx="1117327" cy="1861727"/>
-        </a:xfrm>
-        <a:prstGeom prst="rect">
-          <a:avLst/>
-        </a:prstGeom>
-        <a:solidFill>
-          <a:schemeClr val="accent5">
-            <a:hueOff val="-8734026"/>
-            <a:satOff val="-13522"/>
-            <a:lumOff val="0"/>
-            <a:alphaOff val="0"/>
-          </a:schemeClr>
-        </a:solidFill>
-        <a:ln w="12700" cap="flat" cmpd="sng" algn="ctr">
-          <a:solidFill>
-            <a:schemeClr val="lt1">
-              <a:hueOff val="0"/>
-              <a:satOff val="0"/>
-              <a:lumOff val="0"/>
-              <a:alphaOff val="0"/>
-            </a:schemeClr>
-          </a:solidFill>
-          <a:prstDash val="solid"/>
-        </a:ln>
-        <a:effectLst/>
-      </dsp:spPr>
-      <dsp:style>
-        <a:lnRef idx="2">
-          <a:scrgbClr r="0" g="0" b="0"/>
-        </a:lnRef>
-        <a:fillRef idx="1">
-          <a:scrgbClr r="0" g="0" b="0"/>
-        </a:fillRef>
-        <a:effectRef idx="0">
-          <a:scrgbClr r="0" g="0" b="0"/>
-        </a:effectRef>
-        <a:fontRef idx="minor">
-          <a:schemeClr val="lt1"/>
-        </a:fontRef>
-      </dsp:style>
-      <dsp:txBody>
-        <a:bodyPr spcFirstLastPara="0" vert="horz" wrap="square" lIns="60960" tIns="60960" rIns="60960" bIns="60960" numCol="1" spcCol="1270" anchor="ctr" anchorCtr="0">
-          <a:noAutofit/>
-        </a:bodyPr>
-        <a:lstStyle/>
-        <a:p>
-          <a:pPr lvl="0" algn="ctr" defTabSz="711200">
-            <a:lnSpc>
-              <a:spcPct val="90000"/>
-            </a:lnSpc>
-            <a:spcBef>
-              <a:spcPct val="0"/>
-            </a:spcBef>
-            <a:spcAft>
-              <a:spcPct val="35000"/>
-            </a:spcAft>
-          </a:pPr>
-          <a:r>
-            <a:rPr lang="en-IN" sz="1600" kern="1200" dirty="0" smtClean="0"/>
-            <a:t>draft-</a:t>
-          </a:r>
-          <a:r>
-            <a:rPr lang="en-IN" sz="1600" kern="1200" dirty="0" err="1" smtClean="0"/>
-            <a:t>tanaka</a:t>
-          </a:r>
-          <a:r>
-            <a:rPr lang="en-IN" sz="1600" kern="1200" dirty="0" smtClean="0"/>
-            <a:t>-</a:t>
-          </a:r>
-          <a:r>
-            <a:rPr lang="en-IN" sz="1600" kern="1200" dirty="0" err="1" smtClean="0"/>
-            <a:t>pce-stateful-pce-mbb</a:t>
-          </a:r>
-          <a:endParaRPr lang="en-IN" sz="1600" kern="1200" dirty="0"/>
-        </a:p>
-      </dsp:txBody>
-      <dsp:txXfrm>
-        <a:off x="7822517" y="886536"/>
-        <a:ext cx="1117327" cy="1861727"/>
-      </dsp:txXfrm>
-    </dsp:sp>
-    <dsp:sp modelId="{0A84BFC3-BCBF-4E94-9011-B7FC49A621B2}">
-      <dsp:nvSpPr>
-        <dsp:cNvPr id="0" name=""/>
-        <dsp:cNvSpPr/>
-      </dsp:nvSpPr>
-      <dsp:spPr>
-        <a:xfrm>
-          <a:off x="8939845" y="886536"/>
-          <a:ext cx="1117327" cy="1861727"/>
-        </a:xfrm>
-        <a:prstGeom prst="rect">
-          <a:avLst/>
-        </a:prstGeom>
-        <a:solidFill>
-          <a:schemeClr val="accent5">
-            <a:hueOff val="-9981745"/>
-            <a:satOff val="-15454"/>
-            <a:lumOff val="0"/>
-            <a:alphaOff val="0"/>
-          </a:schemeClr>
-        </a:solidFill>
-        <a:ln w="12700" cap="flat" cmpd="sng" algn="ctr">
-          <a:solidFill>
-            <a:schemeClr val="lt1">
-              <a:hueOff val="0"/>
-              <a:satOff val="0"/>
-              <a:lumOff val="0"/>
-              <a:alphaOff val="0"/>
-            </a:schemeClr>
-          </a:solidFill>
-          <a:prstDash val="solid"/>
-        </a:ln>
-        <a:effectLst/>
-      </dsp:spPr>
-      <dsp:style>
-        <a:lnRef idx="2">
-          <a:scrgbClr r="0" g="0" b="0"/>
-        </a:lnRef>
-        <a:fillRef idx="1">
-          <a:scrgbClr r="0" g="0" b="0"/>
-        </a:fillRef>
-        <a:effectRef idx="0">
-          <a:scrgbClr r="0" g="0" b="0"/>
-        </a:effectRef>
-        <a:fontRef idx="minor">
-          <a:schemeClr val="lt1"/>
-        </a:fontRef>
-      </dsp:style>
-      <dsp:txBody>
-        <a:bodyPr spcFirstLastPara="0" vert="horz" wrap="square" lIns="60960" tIns="60960" rIns="60960" bIns="60960" numCol="1" spcCol="1270" anchor="ctr" anchorCtr="0">
-          <a:noAutofit/>
-        </a:bodyPr>
-        <a:lstStyle/>
-        <a:p>
-          <a:pPr lvl="0" algn="ctr" defTabSz="711200">
-            <a:lnSpc>
-              <a:spcPct val="90000"/>
-            </a:lnSpc>
-            <a:spcBef>
-              <a:spcPct val="0"/>
-            </a:spcBef>
-            <a:spcAft>
-              <a:spcPct val="35000"/>
-            </a:spcAft>
-          </a:pPr>
-          <a:r>
-            <a:rPr lang="en-IN" sz="1600" b="0" i="0" kern="1200" dirty="0" smtClean="0"/>
-            <a:t>draft-</a:t>
-          </a:r>
-          <a:r>
-            <a:rPr lang="en-IN" sz="1600" b="0" i="0" kern="1200" dirty="0" err="1" smtClean="0"/>
-            <a:t>barth</a:t>
-          </a:r>
-          <a:r>
-            <a:rPr lang="en-IN" sz="1600" b="0" i="0" kern="1200" dirty="0" smtClean="0"/>
-            <a:t>-</a:t>
-          </a:r>
-          <a:r>
-            <a:rPr lang="en-IN" sz="1600" b="0" i="0" kern="1200" dirty="0" err="1" smtClean="0"/>
-            <a:t>pce</a:t>
-          </a:r>
-          <a:r>
-            <a:rPr lang="en-IN" sz="1600" b="0" i="0" kern="1200" dirty="0" smtClean="0"/>
-            <a:t>-segment-routing-policy-</a:t>
-          </a:r>
-          <a:r>
-            <a:rPr lang="en-IN" sz="1600" b="0" i="0" kern="1200" dirty="0" err="1" smtClean="0"/>
-            <a:t>cp</a:t>
-          </a:r>
-          <a:endParaRPr lang="en-IN" sz="1600" kern="1200" dirty="0"/>
-        </a:p>
-      </dsp:txBody>
-      <dsp:txXfrm>
-        <a:off x="8939845" y="886536"/>
-        <a:ext cx="1117327" cy="1861727"/>
-      </dsp:txXfrm>
-    </dsp:sp>
-    <dsp:sp modelId="{575C4584-866E-4A42-B58F-14E5EEFF0569}">
-      <dsp:nvSpPr>
-        <dsp:cNvPr id="0" name=""/>
-        <dsp:cNvSpPr/>
-      </dsp:nvSpPr>
-      <dsp:spPr>
-        <a:xfrm>
-          <a:off x="0" y="2748264"/>
-          <a:ext cx="10058399" cy="206858"/>
-        </a:xfrm>
-        <a:prstGeom prst="rect">
-          <a:avLst/>
-        </a:prstGeom>
-        <a:solidFill>
-          <a:schemeClr val="accent5">
-            <a:shade val="90000"/>
-            <a:hueOff val="0"/>
-            <a:satOff val="0"/>
-            <a:lumOff val="0"/>
-            <a:alphaOff val="0"/>
-          </a:schemeClr>
-        </a:solidFill>
-        <a:ln>
-          <a:noFill/>
-        </a:ln>
-        <a:effectLst/>
-      </dsp:spPr>
-      <dsp:style>
-        <a:lnRef idx="0">
-          <a:scrgbClr r="0" g="0" b="0"/>
-        </a:lnRef>
-        <a:fillRef idx="1">
-          <a:scrgbClr r="0" g="0" b="0"/>
-        </a:fillRef>
-        <a:effectRef idx="0">
-          <a:scrgbClr r="0" g="0" b="0"/>
-        </a:effectRef>
-        <a:fontRef idx="minor"/>
-      </dsp:style>
-    </dsp:sp>
   </dsp:spTree>
 </dsp:drawing>
 </file>
@@ -7500,281 +6575,6 @@
       <dsp:cNvGrpSpPr/>
     </dsp:nvGrpSpPr>
     <dsp:grpSpPr/>
-    <dsp:sp modelId="{A4F9798D-DC89-41AB-879D-859ED930AB60}">
-      <dsp:nvSpPr>
-        <dsp:cNvPr id="0" name=""/>
-        <dsp:cNvSpPr/>
-      </dsp:nvSpPr>
-      <dsp:spPr>
-        <a:xfrm>
-          <a:off x="0" y="50558"/>
-          <a:ext cx="10058399" cy="1352520"/>
-        </a:xfrm>
-        <a:prstGeom prst="roundRect">
-          <a:avLst/>
-        </a:prstGeom>
-        <a:solidFill>
-          <a:schemeClr val="accent5">
-            <a:hueOff val="0"/>
-            <a:satOff val="0"/>
-            <a:lumOff val="0"/>
-            <a:alphaOff val="0"/>
-          </a:schemeClr>
-        </a:solidFill>
-        <a:ln w="12700" cap="flat" cmpd="sng" algn="ctr">
-          <a:solidFill>
-            <a:schemeClr val="lt1">
-              <a:hueOff val="0"/>
-              <a:satOff val="0"/>
-              <a:lumOff val="0"/>
-              <a:alphaOff val="0"/>
-            </a:schemeClr>
-          </a:solidFill>
-          <a:prstDash val="solid"/>
-        </a:ln>
-        <a:effectLst/>
-      </dsp:spPr>
-      <dsp:style>
-        <a:lnRef idx="2">
-          <a:scrgbClr r="0" g="0" b="0"/>
-        </a:lnRef>
-        <a:fillRef idx="1">
-          <a:scrgbClr r="0" g="0" b="0"/>
-        </a:fillRef>
-        <a:effectRef idx="0">
-          <a:scrgbClr r="0" g="0" b="0"/>
-        </a:effectRef>
-        <a:fontRef idx="minor">
-          <a:schemeClr val="lt1"/>
-        </a:fontRef>
-      </dsp:style>
-      <dsp:txBody>
-        <a:bodyPr spcFirstLastPara="0" vert="horz" wrap="square" lIns="129540" tIns="129540" rIns="129540" bIns="129540" numCol="1" spcCol="1270" anchor="ctr" anchorCtr="0">
-          <a:noAutofit/>
-        </a:bodyPr>
-        <a:lstStyle/>
-        <a:p>
-          <a:pPr lvl="0" algn="l" defTabSz="1511300">
-            <a:lnSpc>
-              <a:spcPct val="90000"/>
-            </a:lnSpc>
-            <a:spcBef>
-              <a:spcPct val="0"/>
-            </a:spcBef>
-            <a:spcAft>
-              <a:spcPct val="35000"/>
-            </a:spcAft>
-          </a:pPr>
-          <a:r>
-            <a:rPr lang="en-US" sz="3400" kern="1200" dirty="0" smtClean="0"/>
-            <a:t>…specify if the association type advertisement is mandatory</a:t>
-          </a:r>
-          <a:endParaRPr lang="en-US" sz="3400" kern="1200" dirty="0"/>
-        </a:p>
-      </dsp:txBody>
-      <dsp:txXfrm>
-        <a:off x="66025" y="116583"/>
-        <a:ext cx="9926349" cy="1220470"/>
-      </dsp:txXfrm>
-    </dsp:sp>
-    <dsp:sp modelId="{D6C949FC-5EC3-41C2-B7CA-84EDCB333CD7}">
-      <dsp:nvSpPr>
-        <dsp:cNvPr id="0" name=""/>
-        <dsp:cNvSpPr/>
-      </dsp:nvSpPr>
-      <dsp:spPr>
-        <a:xfrm>
-          <a:off x="0" y="1403078"/>
-          <a:ext cx="10058399" cy="563040"/>
-        </a:xfrm>
-        <a:prstGeom prst="rect">
-          <a:avLst/>
-        </a:prstGeom>
-        <a:noFill/>
-        <a:ln>
-          <a:noFill/>
-        </a:ln>
-        <a:effectLst/>
-      </dsp:spPr>
-      <dsp:style>
-        <a:lnRef idx="0">
-          <a:scrgbClr r="0" g="0" b="0"/>
-        </a:lnRef>
-        <a:fillRef idx="0">
-          <a:scrgbClr r="0" g="0" b="0"/>
-        </a:fillRef>
-        <a:effectRef idx="0">
-          <a:scrgbClr r="0" g="0" b="0"/>
-        </a:effectRef>
-        <a:fontRef idx="minor"/>
-      </dsp:style>
-      <dsp:txBody>
-        <a:bodyPr spcFirstLastPara="0" vert="horz" wrap="square" lIns="319354" tIns="43180" rIns="241808" bIns="43180" numCol="1" spcCol="1270" anchor="t" anchorCtr="0">
-          <a:noAutofit/>
-        </a:bodyPr>
-        <a:lstStyle/>
-        <a:p>
-          <a:pPr marL="228600" lvl="1" indent="-228600" algn="l" defTabSz="1200150">
-            <a:lnSpc>
-              <a:spcPct val="90000"/>
-            </a:lnSpc>
-            <a:spcBef>
-              <a:spcPct val="0"/>
-            </a:spcBef>
-            <a:spcAft>
-              <a:spcPct val="20000"/>
-            </a:spcAft>
-            <a:buChar char="••"/>
-          </a:pPr>
-          <a:r>
-            <a:rPr lang="en-US" sz="2700" kern="1200" smtClean="0"/>
-            <a:t>or not! </a:t>
-          </a:r>
-          <a:endParaRPr lang="en-US" sz="2700" kern="1200"/>
-        </a:p>
-      </dsp:txBody>
-      <dsp:txXfrm>
-        <a:off x="0" y="1403078"/>
-        <a:ext cx="10058399" cy="563040"/>
-      </dsp:txXfrm>
-    </dsp:sp>
-    <dsp:sp modelId="{869179B0-F131-42AD-B3A9-A5AEE5BB9959}">
-      <dsp:nvSpPr>
-        <dsp:cNvPr id="0" name=""/>
-        <dsp:cNvSpPr/>
-      </dsp:nvSpPr>
-      <dsp:spPr>
-        <a:xfrm>
-          <a:off x="0" y="1966118"/>
-          <a:ext cx="10058399" cy="1352520"/>
-        </a:xfrm>
-        <a:prstGeom prst="roundRect">
-          <a:avLst/>
-        </a:prstGeom>
-        <a:solidFill>
-          <a:schemeClr val="accent5">
-            <a:hueOff val="-9981745"/>
-            <a:satOff val="-15454"/>
-            <a:lumOff val="0"/>
-            <a:alphaOff val="0"/>
-          </a:schemeClr>
-        </a:solidFill>
-        <a:ln w="12700" cap="flat" cmpd="sng" algn="ctr">
-          <a:solidFill>
-            <a:schemeClr val="lt1">
-              <a:hueOff val="0"/>
-              <a:satOff val="0"/>
-              <a:lumOff val="0"/>
-              <a:alphaOff val="0"/>
-            </a:schemeClr>
-          </a:solidFill>
-          <a:prstDash val="solid"/>
-        </a:ln>
-        <a:effectLst/>
-      </dsp:spPr>
-      <dsp:style>
-        <a:lnRef idx="2">
-          <a:scrgbClr r="0" g="0" b="0"/>
-        </a:lnRef>
-        <a:fillRef idx="1">
-          <a:scrgbClr r="0" g="0" b="0"/>
-        </a:fillRef>
-        <a:effectRef idx="0">
-          <a:scrgbClr r="0" g="0" b="0"/>
-        </a:effectRef>
-        <a:fontRef idx="minor">
-          <a:schemeClr val="lt1"/>
-        </a:fontRef>
-      </dsp:style>
-      <dsp:txBody>
-        <a:bodyPr spcFirstLastPara="0" vert="horz" wrap="square" lIns="129540" tIns="129540" rIns="129540" bIns="129540" numCol="1" spcCol="1270" anchor="ctr" anchorCtr="0">
-          <a:noAutofit/>
-        </a:bodyPr>
-        <a:lstStyle/>
-        <a:p>
-          <a:pPr lvl="0" algn="l" defTabSz="1511300">
-            <a:lnSpc>
-              <a:spcPct val="90000"/>
-            </a:lnSpc>
-            <a:spcBef>
-              <a:spcPct val="0"/>
-            </a:spcBef>
-            <a:spcAft>
-              <a:spcPct val="35000"/>
-            </a:spcAft>
-          </a:pPr>
-          <a:r>
-            <a:rPr lang="en-US" sz="3400" kern="1200" dirty="0" smtClean="0"/>
-            <a:t>…state if the association type is dynamic, operator-configured or both! </a:t>
-          </a:r>
-        </a:p>
-      </dsp:txBody>
-      <dsp:txXfrm>
-        <a:off x="66025" y="2032143"/>
-        <a:ext cx="9926349" cy="1220470"/>
-      </dsp:txXfrm>
-    </dsp:sp>
-    <dsp:sp modelId="{860FA9AC-48D0-439C-8A6C-92F111C19CEC}">
-      <dsp:nvSpPr>
-        <dsp:cNvPr id="0" name=""/>
-        <dsp:cNvSpPr/>
-      </dsp:nvSpPr>
-      <dsp:spPr>
-        <a:xfrm>
-          <a:off x="0" y="3318638"/>
-          <a:ext cx="10058399" cy="563040"/>
-        </a:xfrm>
-        <a:prstGeom prst="rect">
-          <a:avLst/>
-        </a:prstGeom>
-        <a:noFill/>
-        <a:ln>
-          <a:noFill/>
-        </a:ln>
-        <a:effectLst/>
-      </dsp:spPr>
-      <dsp:style>
-        <a:lnRef idx="0">
-          <a:scrgbClr r="0" g="0" b="0"/>
-        </a:lnRef>
-        <a:fillRef idx="0">
-          <a:scrgbClr r="0" g="0" b="0"/>
-        </a:fillRef>
-        <a:effectRef idx="0">
-          <a:scrgbClr r="0" g="0" b="0"/>
-        </a:effectRef>
-        <a:fontRef idx="minor"/>
-      </dsp:style>
-      <dsp:txBody>
-        <a:bodyPr spcFirstLastPara="0" vert="horz" wrap="square" lIns="319354" tIns="43180" rIns="241808" bIns="43180" numCol="1" spcCol="1270" anchor="t" anchorCtr="0">
-          <a:noAutofit/>
-        </a:bodyPr>
-        <a:lstStyle/>
-        <a:p>
-          <a:pPr marL="228600" lvl="1" indent="-228600" algn="l" defTabSz="1200150">
-            <a:lnSpc>
-              <a:spcPct val="90000"/>
-            </a:lnSpc>
-            <a:spcBef>
-              <a:spcPct val="0"/>
-            </a:spcBef>
-            <a:spcAft>
-              <a:spcPct val="20000"/>
-            </a:spcAft>
-            <a:buChar char="••"/>
-          </a:pPr>
-          <a:r>
-            <a:rPr lang="en-IN" sz="2700" kern="1200" dirty="0" smtClean="0"/>
-            <a:t>Operator-configured Association Range needs to be set for ‘both’!</a:t>
-          </a:r>
-          <a:endParaRPr lang="en-IN" sz="2700" kern="1200" dirty="0"/>
-        </a:p>
-      </dsp:txBody>
-      <dsp:txXfrm>
-        <a:off x="0" y="3318638"/>
-        <a:ext cx="10058399" cy="563040"/>
-      </dsp:txXfrm>
-    </dsp:sp>
   </dsp:spTree>
 </dsp:drawing>
 </file>
@@ -7787,444 +6587,6 @@
       <dsp:cNvGrpSpPr/>
     </dsp:nvGrpSpPr>
     <dsp:grpSpPr/>
-    <dsp:sp modelId="{161D827B-38F9-4EA3-8B26-B57727BBD15C}">
-      <dsp:nvSpPr>
-        <dsp:cNvPr id="0" name=""/>
-        <dsp:cNvSpPr/>
-      </dsp:nvSpPr>
-      <dsp:spPr>
-        <a:xfrm>
-          <a:off x="4911" y="599018"/>
-          <a:ext cx="2512144" cy="1316699"/>
-        </a:xfrm>
-        <a:prstGeom prst="rect">
-          <a:avLst/>
-        </a:prstGeom>
-        <a:noFill/>
-        <a:ln>
-          <a:noFill/>
-        </a:ln>
-        <a:effectLst/>
-      </dsp:spPr>
-      <dsp:style>
-        <a:lnRef idx="0">
-          <a:scrgbClr r="0" g="0" b="0"/>
-        </a:lnRef>
-        <a:fillRef idx="0">
-          <a:scrgbClr r="0" g="0" b="0"/>
-        </a:fillRef>
-        <a:effectRef idx="0">
-          <a:scrgbClr r="0" g="0" b="0"/>
-        </a:effectRef>
-        <a:fontRef idx="minor"/>
-      </dsp:style>
-      <dsp:txBody>
-        <a:bodyPr spcFirstLastPara="0" vert="horz" wrap="square" lIns="199136" tIns="71120" rIns="199136" bIns="71120" numCol="1" spcCol="1270" anchor="ctr" anchorCtr="0">
-          <a:noAutofit/>
-        </a:bodyPr>
-        <a:lstStyle/>
-        <a:p>
-          <a:pPr lvl="0" algn="r" defTabSz="1244600">
-            <a:lnSpc>
-              <a:spcPct val="90000"/>
-            </a:lnSpc>
-            <a:spcBef>
-              <a:spcPct val="0"/>
-            </a:spcBef>
-            <a:spcAft>
-              <a:spcPct val="35000"/>
-            </a:spcAft>
-          </a:pPr>
-          <a:r>
-            <a:rPr lang="en-IN" sz="2800" kern="1200" dirty="0" smtClean="0"/>
-            <a:t>draft-ietf-pce-association-diversity-04</a:t>
-          </a:r>
-          <a:endParaRPr lang="en-US" sz="2800" kern="1200" dirty="0"/>
-        </a:p>
-      </dsp:txBody>
-      <dsp:txXfrm>
-        <a:off x="4911" y="599018"/>
-        <a:ext cx="2512144" cy="1316699"/>
-      </dsp:txXfrm>
-    </dsp:sp>
-    <dsp:sp modelId="{22C8624A-2F42-435B-ACC6-EF182E0A8724}">
-      <dsp:nvSpPr>
-        <dsp:cNvPr id="0" name=""/>
-        <dsp:cNvSpPr/>
-      </dsp:nvSpPr>
-      <dsp:spPr>
-        <a:xfrm>
-          <a:off x="2517055" y="64109"/>
-          <a:ext cx="502428" cy="2386518"/>
-        </a:xfrm>
-        <a:prstGeom prst="leftBrace">
-          <a:avLst>
-            <a:gd name="adj1" fmla="val 35000"/>
-            <a:gd name="adj2" fmla="val 50000"/>
-          </a:avLst>
-        </a:prstGeom>
-        <a:noFill/>
-        <a:ln w="12700" cap="flat" cmpd="sng" algn="ctr">
-          <a:solidFill>
-            <a:schemeClr val="accent5">
-              <a:hueOff val="0"/>
-              <a:satOff val="0"/>
-              <a:lumOff val="0"/>
-              <a:alphaOff val="0"/>
-            </a:schemeClr>
-          </a:solidFill>
-          <a:prstDash val="solid"/>
-        </a:ln>
-        <a:effectLst/>
-      </dsp:spPr>
-      <dsp:style>
-        <a:lnRef idx="2">
-          <a:scrgbClr r="0" g="0" b="0"/>
-        </a:lnRef>
-        <a:fillRef idx="0">
-          <a:scrgbClr r="0" g="0" b="0"/>
-        </a:fillRef>
-        <a:effectRef idx="0">
-          <a:scrgbClr r="0" g="0" b="0"/>
-        </a:effectRef>
-        <a:fontRef idx="minor"/>
-      </dsp:style>
-    </dsp:sp>
-    <dsp:sp modelId="{485A8D7F-9EDC-46F4-807A-F86F0BAEB640}">
-      <dsp:nvSpPr>
-        <dsp:cNvPr id="0" name=""/>
-        <dsp:cNvSpPr/>
-      </dsp:nvSpPr>
-      <dsp:spPr>
-        <a:xfrm>
-          <a:off x="3220456" y="64109"/>
-          <a:ext cx="6833032" cy="2386518"/>
-        </a:xfrm>
-        <a:prstGeom prst="rect">
-          <a:avLst/>
-        </a:prstGeom>
-        <a:solidFill>
-          <a:schemeClr val="accent5">
-            <a:hueOff val="0"/>
-            <a:satOff val="0"/>
-            <a:lumOff val="0"/>
-            <a:alphaOff val="0"/>
-          </a:schemeClr>
-        </a:solidFill>
-        <a:ln w="12700" cap="flat" cmpd="sng" algn="ctr">
-          <a:solidFill>
-            <a:schemeClr val="lt1">
-              <a:hueOff val="0"/>
-              <a:satOff val="0"/>
-              <a:lumOff val="0"/>
-              <a:alphaOff val="0"/>
-            </a:schemeClr>
-          </a:solidFill>
-          <a:prstDash val="solid"/>
-        </a:ln>
-        <a:effectLst/>
-      </dsp:spPr>
-      <dsp:style>
-        <a:lnRef idx="2">
-          <a:scrgbClr r="0" g="0" b="0"/>
-        </a:lnRef>
-        <a:fillRef idx="1">
-          <a:scrgbClr r="0" g="0" b="0"/>
-        </a:fillRef>
-        <a:effectRef idx="0">
-          <a:scrgbClr r="0" g="0" b="0"/>
-        </a:effectRef>
-        <a:fontRef idx="minor">
-          <a:schemeClr val="lt1"/>
-        </a:fontRef>
-      </dsp:style>
-      <dsp:txBody>
-        <a:bodyPr spcFirstLastPara="0" vert="horz" wrap="square" lIns="106680" tIns="106680" rIns="106680" bIns="106680" numCol="1" spcCol="1270" anchor="ctr" anchorCtr="0">
-          <a:noAutofit/>
-        </a:bodyPr>
-        <a:lstStyle/>
-        <a:p>
-          <a:pPr marL="285750" lvl="1" indent="-285750" algn="l" defTabSz="1244600">
-            <a:lnSpc>
-              <a:spcPct val="90000"/>
-            </a:lnSpc>
-            <a:spcBef>
-              <a:spcPct val="0"/>
-            </a:spcBef>
-            <a:spcAft>
-              <a:spcPct val="15000"/>
-            </a:spcAft>
-            <a:buChar char="••"/>
-          </a:pPr>
-          <a:r>
-            <a:rPr lang="en-US" sz="2800" kern="1200" dirty="0" smtClean="0"/>
-            <a:t>Capability advertisement (mandatory)</a:t>
-          </a:r>
-          <a:endParaRPr lang="en-US" sz="2800" kern="1200" dirty="0"/>
-        </a:p>
-        <a:p>
-          <a:pPr marL="285750" lvl="1" indent="-285750" algn="l" defTabSz="1244600">
-            <a:lnSpc>
-              <a:spcPct val="90000"/>
-            </a:lnSpc>
-            <a:spcBef>
-              <a:spcPct val="0"/>
-            </a:spcBef>
-            <a:spcAft>
-              <a:spcPct val="15000"/>
-            </a:spcAft>
-            <a:buChar char="••"/>
-          </a:pPr>
-          <a:r>
-            <a:rPr lang="en-US" sz="2800" kern="1200" dirty="0" smtClean="0"/>
-            <a:t>Dynamic and Operator-Configured</a:t>
-          </a:r>
-          <a:endParaRPr lang="en-US" sz="2800" kern="1200" dirty="0"/>
-        </a:p>
-        <a:p>
-          <a:pPr marL="571500" lvl="2" indent="-285750" algn="l" defTabSz="1244600">
-            <a:lnSpc>
-              <a:spcPct val="90000"/>
-            </a:lnSpc>
-            <a:spcBef>
-              <a:spcPct val="0"/>
-            </a:spcBef>
-            <a:spcAft>
-              <a:spcPct val="15000"/>
-            </a:spcAft>
-            <a:buChar char="••"/>
-          </a:pPr>
-          <a:r>
-            <a:rPr lang="en-IN" sz="2800" kern="1200" dirty="0" smtClean="0"/>
-            <a:t>Operator-configured Association Range must be set </a:t>
-          </a:r>
-          <a:endParaRPr lang="en-US" sz="2800" kern="1200" dirty="0"/>
-        </a:p>
-        <a:p>
-          <a:pPr marL="285750" lvl="1" indent="-285750" algn="l" defTabSz="1244600">
-            <a:lnSpc>
-              <a:spcPct val="90000"/>
-            </a:lnSpc>
-            <a:spcBef>
-              <a:spcPct val="0"/>
-            </a:spcBef>
-            <a:spcAft>
-              <a:spcPct val="15000"/>
-            </a:spcAft>
-            <a:buChar char="••"/>
-          </a:pPr>
-          <a:r>
-            <a:rPr lang="en-US" sz="2800" kern="1200" dirty="0" smtClean="0"/>
-            <a:t>Other editorial changes…</a:t>
-          </a:r>
-          <a:endParaRPr lang="en-US" sz="2800" kern="1200" dirty="0"/>
-        </a:p>
-      </dsp:txBody>
-      <dsp:txXfrm>
-        <a:off x="3220456" y="64109"/>
-        <a:ext cx="6833032" cy="2386518"/>
-      </dsp:txXfrm>
-    </dsp:sp>
-    <dsp:sp modelId="{86E99B68-B877-4A14-A3A0-35E50F091B90}">
-      <dsp:nvSpPr>
-        <dsp:cNvPr id="0" name=""/>
-        <dsp:cNvSpPr/>
-      </dsp:nvSpPr>
-      <dsp:spPr>
-        <a:xfrm>
-          <a:off x="4911" y="2551427"/>
-          <a:ext cx="2512144" cy="1316699"/>
-        </a:xfrm>
-        <a:prstGeom prst="rect">
-          <a:avLst/>
-        </a:prstGeom>
-        <a:noFill/>
-        <a:ln>
-          <a:noFill/>
-        </a:ln>
-        <a:effectLst/>
-      </dsp:spPr>
-      <dsp:style>
-        <a:lnRef idx="0">
-          <a:scrgbClr r="0" g="0" b="0"/>
-        </a:lnRef>
-        <a:fillRef idx="0">
-          <a:scrgbClr r="0" g="0" b="0"/>
-        </a:fillRef>
-        <a:effectRef idx="0">
-          <a:scrgbClr r="0" g="0" b="0"/>
-        </a:effectRef>
-        <a:fontRef idx="minor"/>
-      </dsp:style>
-      <dsp:txBody>
-        <a:bodyPr spcFirstLastPara="0" vert="horz" wrap="square" lIns="199136" tIns="71120" rIns="199136" bIns="71120" numCol="1" spcCol="1270" anchor="ctr" anchorCtr="0">
-          <a:noAutofit/>
-        </a:bodyPr>
-        <a:lstStyle/>
-        <a:p>
-          <a:pPr lvl="0" algn="r" defTabSz="1244600">
-            <a:lnSpc>
-              <a:spcPct val="90000"/>
-            </a:lnSpc>
-            <a:spcBef>
-              <a:spcPct val="0"/>
-            </a:spcBef>
-            <a:spcAft>
-              <a:spcPct val="35000"/>
-            </a:spcAft>
-          </a:pPr>
-          <a:r>
-            <a:rPr lang="en-IN" sz="2800" kern="1200" dirty="0" smtClean="0"/>
-            <a:t>draft-ietf-pce-association-policy-03</a:t>
-          </a:r>
-          <a:endParaRPr lang="en-IN" sz="2800" kern="1200" dirty="0"/>
-        </a:p>
-      </dsp:txBody>
-      <dsp:txXfrm>
-        <a:off x="4911" y="2551427"/>
-        <a:ext cx="2512144" cy="1316699"/>
-      </dsp:txXfrm>
-    </dsp:sp>
-    <dsp:sp modelId="{1154F6D5-363A-497F-A331-C2F3DCA0A138}">
-      <dsp:nvSpPr>
-        <dsp:cNvPr id="0" name=""/>
-        <dsp:cNvSpPr/>
-      </dsp:nvSpPr>
-      <dsp:spPr>
-        <a:xfrm>
-          <a:off x="2517055" y="2551427"/>
-          <a:ext cx="502428" cy="1316699"/>
-        </a:xfrm>
-        <a:prstGeom prst="leftBrace">
-          <a:avLst>
-            <a:gd name="adj1" fmla="val 35000"/>
-            <a:gd name="adj2" fmla="val 50000"/>
-          </a:avLst>
-        </a:prstGeom>
-        <a:noFill/>
-        <a:ln w="12700" cap="flat" cmpd="sng" algn="ctr">
-          <a:solidFill>
-            <a:schemeClr val="accent5">
-              <a:hueOff val="0"/>
-              <a:satOff val="0"/>
-              <a:lumOff val="0"/>
-              <a:alphaOff val="0"/>
-            </a:schemeClr>
-          </a:solidFill>
-          <a:prstDash val="solid"/>
-        </a:ln>
-        <a:effectLst/>
-      </dsp:spPr>
-      <dsp:style>
-        <a:lnRef idx="2">
-          <a:scrgbClr r="0" g="0" b="0"/>
-        </a:lnRef>
-        <a:fillRef idx="0">
-          <a:scrgbClr r="0" g="0" b="0"/>
-        </a:fillRef>
-        <a:effectRef idx="0">
-          <a:scrgbClr r="0" g="0" b="0"/>
-        </a:effectRef>
-        <a:fontRef idx="minor"/>
-      </dsp:style>
-    </dsp:sp>
-    <dsp:sp modelId="{E83FDD83-D912-498F-B6AD-8E4204EACB52}">
-      <dsp:nvSpPr>
-        <dsp:cNvPr id="0" name=""/>
-        <dsp:cNvSpPr/>
-      </dsp:nvSpPr>
-      <dsp:spPr>
-        <a:xfrm>
-          <a:off x="3220456" y="2551427"/>
-          <a:ext cx="6833032" cy="1316699"/>
-        </a:xfrm>
-        <a:prstGeom prst="rect">
-          <a:avLst/>
-        </a:prstGeom>
-        <a:solidFill>
-          <a:schemeClr val="accent5">
-            <a:hueOff val="-9981745"/>
-            <a:satOff val="-15454"/>
-            <a:lumOff val="0"/>
-            <a:alphaOff val="0"/>
-          </a:schemeClr>
-        </a:solidFill>
-        <a:ln w="12700" cap="flat" cmpd="sng" algn="ctr">
-          <a:solidFill>
-            <a:schemeClr val="lt1">
-              <a:hueOff val="0"/>
-              <a:satOff val="0"/>
-              <a:lumOff val="0"/>
-              <a:alphaOff val="0"/>
-            </a:schemeClr>
-          </a:solidFill>
-          <a:prstDash val="solid"/>
-        </a:ln>
-        <a:effectLst/>
-      </dsp:spPr>
-      <dsp:style>
-        <a:lnRef idx="2">
-          <a:scrgbClr r="0" g="0" b="0"/>
-        </a:lnRef>
-        <a:fillRef idx="1">
-          <a:scrgbClr r="0" g="0" b="0"/>
-        </a:fillRef>
-        <a:effectRef idx="0">
-          <a:scrgbClr r="0" g="0" b="0"/>
-        </a:effectRef>
-        <a:fontRef idx="minor">
-          <a:schemeClr val="lt1"/>
-        </a:fontRef>
-      </dsp:style>
-      <dsp:txBody>
-        <a:bodyPr spcFirstLastPara="0" vert="horz" wrap="square" lIns="106680" tIns="106680" rIns="106680" bIns="106680" numCol="1" spcCol="1270" anchor="ctr" anchorCtr="0">
-          <a:noAutofit/>
-        </a:bodyPr>
-        <a:lstStyle/>
-        <a:p>
-          <a:pPr marL="285750" lvl="1" indent="-285750" algn="l" defTabSz="1244600">
-            <a:lnSpc>
-              <a:spcPct val="90000"/>
-            </a:lnSpc>
-            <a:spcBef>
-              <a:spcPct val="0"/>
-            </a:spcBef>
-            <a:spcAft>
-              <a:spcPct val="15000"/>
-            </a:spcAft>
-            <a:buChar char="••"/>
-          </a:pPr>
-          <a:r>
-            <a:rPr lang="en-US" sz="2800" kern="1200" dirty="0" smtClean="0"/>
-            <a:t>Capability advertisement (mandatory)</a:t>
-          </a:r>
-          <a:endParaRPr lang="en-IN" sz="2800" kern="1200" dirty="0"/>
-        </a:p>
-        <a:p>
-          <a:pPr marL="285750" lvl="1" indent="-285750" algn="l" defTabSz="1244600">
-            <a:lnSpc>
-              <a:spcPct val="90000"/>
-            </a:lnSpc>
-            <a:spcBef>
-              <a:spcPct val="0"/>
-            </a:spcBef>
-            <a:spcAft>
-              <a:spcPct val="15000"/>
-            </a:spcAft>
-            <a:buChar char="••"/>
-          </a:pPr>
-          <a:r>
-            <a:rPr lang="en-IN" sz="2800" kern="1200" dirty="0" smtClean="0"/>
-            <a:t>Operator-configured </a:t>
-          </a:r>
-          <a:endParaRPr lang="en-IN" sz="2800" kern="1200" dirty="0"/>
-        </a:p>
-      </dsp:txBody>
-      <dsp:txXfrm>
-        <a:off x="3220456" y="2551427"/>
-        <a:ext cx="6833032" cy="1316699"/>
-      </dsp:txXfrm>
-    </dsp:sp>
   </dsp:spTree>
 </dsp:drawing>
 </file>
@@ -8237,358 +6599,6 @@
       <dsp:cNvGrpSpPr/>
     </dsp:nvGrpSpPr>
     <dsp:grpSpPr/>
-    <dsp:sp modelId="{0AF19F25-C6DD-4108-980B-0D6E4F1AB0E5}">
-      <dsp:nvSpPr>
-        <dsp:cNvPr id="0" name=""/>
-        <dsp:cNvSpPr/>
-      </dsp:nvSpPr>
-      <dsp:spPr>
-        <a:xfrm>
-          <a:off x="0" y="311333"/>
-          <a:ext cx="5004486" cy="527670"/>
-        </a:xfrm>
-        <a:prstGeom prst="roundRect">
-          <a:avLst/>
-        </a:prstGeom>
-        <a:solidFill>
-          <a:schemeClr val="accent5">
-            <a:hueOff val="0"/>
-            <a:satOff val="0"/>
-            <a:lumOff val="0"/>
-            <a:alphaOff val="0"/>
-          </a:schemeClr>
-        </a:solidFill>
-        <a:ln w="12700" cap="flat" cmpd="sng" algn="ctr">
-          <a:solidFill>
-            <a:schemeClr val="lt1">
-              <a:hueOff val="0"/>
-              <a:satOff val="0"/>
-              <a:lumOff val="0"/>
-              <a:alphaOff val="0"/>
-            </a:schemeClr>
-          </a:solidFill>
-          <a:prstDash val="solid"/>
-        </a:ln>
-        <a:effectLst/>
-      </dsp:spPr>
-      <dsp:style>
-        <a:lnRef idx="2">
-          <a:scrgbClr r="0" g="0" b="0"/>
-        </a:lnRef>
-        <a:fillRef idx="1">
-          <a:scrgbClr r="0" g="0" b="0"/>
-        </a:fillRef>
-        <a:effectRef idx="0">
-          <a:scrgbClr r="0" g="0" b="0"/>
-        </a:effectRef>
-        <a:fontRef idx="minor">
-          <a:schemeClr val="lt1"/>
-        </a:fontRef>
-      </dsp:style>
-      <dsp:txBody>
-        <a:bodyPr spcFirstLastPara="0" vert="horz" wrap="square" lIns="83820" tIns="83820" rIns="83820" bIns="83820" numCol="1" spcCol="1270" anchor="ctr" anchorCtr="0">
-          <a:noAutofit/>
-        </a:bodyPr>
-        <a:lstStyle/>
-        <a:p>
-          <a:pPr lvl="0" algn="l" defTabSz="977900">
-            <a:lnSpc>
-              <a:spcPct val="90000"/>
-            </a:lnSpc>
-            <a:spcBef>
-              <a:spcPct val="0"/>
-            </a:spcBef>
-            <a:spcAft>
-              <a:spcPct val="35000"/>
-            </a:spcAft>
-          </a:pPr>
-          <a:r>
-            <a:rPr lang="en-IN" sz="2200" kern="1200" dirty="0" smtClean="0"/>
-            <a:t>draft-ietf-pce-stateful-path-protection-02</a:t>
-          </a:r>
-          <a:endParaRPr lang="en-IN" sz="2200" kern="1200" dirty="0"/>
-        </a:p>
-      </dsp:txBody>
-      <dsp:txXfrm>
-        <a:off x="25759" y="337092"/>
-        <a:ext cx="4952968" cy="476152"/>
-      </dsp:txXfrm>
-    </dsp:sp>
-    <dsp:sp modelId="{663F6095-5EA6-4486-BFB2-767F3FB2AA72}">
-      <dsp:nvSpPr>
-        <dsp:cNvPr id="0" name=""/>
-        <dsp:cNvSpPr/>
-      </dsp:nvSpPr>
-      <dsp:spPr>
-        <a:xfrm>
-          <a:off x="0" y="839003"/>
-          <a:ext cx="5004486" cy="888030"/>
-        </a:xfrm>
-        <a:prstGeom prst="rect">
-          <a:avLst/>
-        </a:prstGeom>
-        <a:noFill/>
-        <a:ln>
-          <a:noFill/>
-        </a:ln>
-        <a:effectLst/>
-      </dsp:spPr>
-      <dsp:style>
-        <a:lnRef idx="0">
-          <a:scrgbClr r="0" g="0" b="0"/>
-        </a:lnRef>
-        <a:fillRef idx="0">
-          <a:scrgbClr r="0" g="0" b="0"/>
-        </a:fillRef>
-        <a:effectRef idx="0">
-          <a:scrgbClr r="0" g="0" b="0"/>
-        </a:effectRef>
-        <a:fontRef idx="minor"/>
-      </dsp:style>
-      <dsp:txBody>
-        <a:bodyPr spcFirstLastPara="0" vert="horz" wrap="square" lIns="158892" tIns="27940" rIns="156464" bIns="27940" numCol="1" spcCol="1270" anchor="t" anchorCtr="0">
-          <a:noAutofit/>
-        </a:bodyPr>
-        <a:lstStyle/>
-        <a:p>
-          <a:pPr marL="171450" lvl="1" indent="-171450" algn="l" defTabSz="755650">
-            <a:lnSpc>
-              <a:spcPct val="90000"/>
-            </a:lnSpc>
-            <a:spcBef>
-              <a:spcPct val="0"/>
-            </a:spcBef>
-            <a:spcAft>
-              <a:spcPct val="20000"/>
-            </a:spcAft>
-            <a:buChar char="••"/>
-          </a:pPr>
-          <a:r>
-            <a:rPr lang="en-IN" sz="1700" kern="1200" dirty="0" smtClean="0"/>
-            <a:t>Capability advertisement (optional)</a:t>
-          </a:r>
-          <a:endParaRPr lang="en-IN" sz="1700" kern="1200" dirty="0"/>
-        </a:p>
-        <a:p>
-          <a:pPr marL="171450" lvl="1" indent="-171450" algn="l" defTabSz="755650">
-            <a:lnSpc>
-              <a:spcPct val="90000"/>
-            </a:lnSpc>
-            <a:spcBef>
-              <a:spcPct val="0"/>
-            </a:spcBef>
-            <a:spcAft>
-              <a:spcPct val="20000"/>
-            </a:spcAft>
-            <a:buChar char="••"/>
-          </a:pPr>
-          <a:r>
-            <a:rPr lang="en-IN" sz="1700" kern="1200" dirty="0" smtClean="0"/>
-            <a:t>Dynamic</a:t>
-          </a:r>
-          <a:endParaRPr lang="en-IN" sz="1700" kern="1200" dirty="0"/>
-        </a:p>
-        <a:p>
-          <a:pPr marL="171450" lvl="1" indent="-171450" algn="l" defTabSz="755650">
-            <a:lnSpc>
-              <a:spcPct val="90000"/>
-            </a:lnSpc>
-            <a:spcBef>
-              <a:spcPct val="0"/>
-            </a:spcBef>
-            <a:spcAft>
-              <a:spcPct val="20000"/>
-            </a:spcAft>
-            <a:buChar char="••"/>
-          </a:pPr>
-          <a:r>
-            <a:rPr lang="en-IN" sz="1700" kern="1200" dirty="0" smtClean="0"/>
-            <a:t>PT field (protection type) – as per RFC 4872</a:t>
-          </a:r>
-          <a:endParaRPr lang="en-IN" sz="1700" kern="1200" dirty="0"/>
-        </a:p>
-      </dsp:txBody>
-      <dsp:txXfrm>
-        <a:off x="0" y="839003"/>
-        <a:ext cx="5004486" cy="888030"/>
-      </dsp:txXfrm>
-    </dsp:sp>
-    <dsp:sp modelId="{D9C80B94-E1E1-48FF-940C-853665020A9B}">
-      <dsp:nvSpPr>
-        <dsp:cNvPr id="0" name=""/>
-        <dsp:cNvSpPr/>
-      </dsp:nvSpPr>
-      <dsp:spPr>
-        <a:xfrm>
-          <a:off x="0" y="1727033"/>
-          <a:ext cx="5004486" cy="527670"/>
-        </a:xfrm>
-        <a:prstGeom prst="roundRect">
-          <a:avLst/>
-        </a:prstGeom>
-        <a:solidFill>
-          <a:schemeClr val="accent5">
-            <a:hueOff val="-9981745"/>
-            <a:satOff val="-15454"/>
-            <a:lumOff val="0"/>
-            <a:alphaOff val="0"/>
-          </a:schemeClr>
-        </a:solidFill>
-        <a:ln w="12700" cap="flat" cmpd="sng" algn="ctr">
-          <a:solidFill>
-            <a:schemeClr val="lt1">
-              <a:hueOff val="0"/>
-              <a:satOff val="0"/>
-              <a:lumOff val="0"/>
-              <a:alphaOff val="0"/>
-            </a:schemeClr>
-          </a:solidFill>
-          <a:prstDash val="solid"/>
-        </a:ln>
-        <a:effectLst/>
-      </dsp:spPr>
-      <dsp:style>
-        <a:lnRef idx="2">
-          <a:scrgbClr r="0" g="0" b="0"/>
-        </a:lnRef>
-        <a:fillRef idx="1">
-          <a:scrgbClr r="0" g="0" b="0"/>
-        </a:fillRef>
-        <a:effectRef idx="0">
-          <a:scrgbClr r="0" g="0" b="0"/>
-        </a:effectRef>
-        <a:fontRef idx="minor">
-          <a:schemeClr val="lt1"/>
-        </a:fontRef>
-      </dsp:style>
-      <dsp:txBody>
-        <a:bodyPr spcFirstLastPara="0" vert="horz" wrap="square" lIns="83820" tIns="83820" rIns="83820" bIns="83820" numCol="1" spcCol="1270" anchor="ctr" anchorCtr="0">
-          <a:noAutofit/>
-        </a:bodyPr>
-        <a:lstStyle/>
-        <a:p>
-          <a:pPr lvl="0" algn="l" defTabSz="977900">
-            <a:lnSpc>
-              <a:spcPct val="90000"/>
-            </a:lnSpc>
-            <a:spcBef>
-              <a:spcPct val="0"/>
-            </a:spcBef>
-            <a:spcAft>
-              <a:spcPct val="35000"/>
-            </a:spcAft>
-          </a:pPr>
-          <a:r>
-            <a:rPr lang="en-IN" sz="2200" kern="1200" dirty="0" smtClean="0"/>
-            <a:t>draft-ietf-pce-association-bidir-01</a:t>
-          </a:r>
-          <a:endParaRPr lang="en-IN" sz="2200" kern="1200" dirty="0"/>
-        </a:p>
-      </dsp:txBody>
-      <dsp:txXfrm>
-        <a:off x="25759" y="1752792"/>
-        <a:ext cx="4952968" cy="476152"/>
-      </dsp:txXfrm>
-    </dsp:sp>
-    <dsp:sp modelId="{C5C2C62E-C216-4E8C-8AE2-10121EBA80E1}">
-      <dsp:nvSpPr>
-        <dsp:cNvPr id="0" name=""/>
-        <dsp:cNvSpPr/>
-      </dsp:nvSpPr>
-      <dsp:spPr>
-        <a:xfrm>
-          <a:off x="0" y="2254703"/>
-          <a:ext cx="5004486" cy="1366200"/>
-        </a:xfrm>
-        <a:prstGeom prst="rect">
-          <a:avLst/>
-        </a:prstGeom>
-        <a:noFill/>
-        <a:ln>
-          <a:noFill/>
-        </a:ln>
-        <a:effectLst/>
-      </dsp:spPr>
-      <dsp:style>
-        <a:lnRef idx="0">
-          <a:scrgbClr r="0" g="0" b="0"/>
-        </a:lnRef>
-        <a:fillRef idx="0">
-          <a:scrgbClr r="0" g="0" b="0"/>
-        </a:fillRef>
-        <a:effectRef idx="0">
-          <a:scrgbClr r="0" g="0" b="0"/>
-        </a:effectRef>
-        <a:fontRef idx="minor"/>
-      </dsp:style>
-      <dsp:txBody>
-        <a:bodyPr spcFirstLastPara="0" vert="horz" wrap="square" lIns="158892" tIns="27940" rIns="156464" bIns="27940" numCol="1" spcCol="1270" anchor="t" anchorCtr="0">
-          <a:noAutofit/>
-        </a:bodyPr>
-        <a:lstStyle/>
-        <a:p>
-          <a:pPr marL="171450" lvl="1" indent="-171450" algn="l" defTabSz="755650">
-            <a:lnSpc>
-              <a:spcPct val="90000"/>
-            </a:lnSpc>
-            <a:spcBef>
-              <a:spcPct val="0"/>
-            </a:spcBef>
-            <a:spcAft>
-              <a:spcPct val="20000"/>
-            </a:spcAft>
-            <a:buChar char="••"/>
-          </a:pPr>
-          <a:r>
-            <a:rPr lang="en-IN" sz="1700" kern="1200" dirty="0" smtClean="0"/>
-            <a:t>Update done by Rakesh based on the comments received during WG adoption</a:t>
-          </a:r>
-          <a:endParaRPr lang="en-IN" sz="1700" kern="1200" dirty="0"/>
-        </a:p>
-        <a:p>
-          <a:pPr marL="342900" lvl="2" indent="-171450" algn="l" defTabSz="755650">
-            <a:lnSpc>
-              <a:spcPct val="90000"/>
-            </a:lnSpc>
-            <a:spcBef>
-              <a:spcPct val="0"/>
-            </a:spcBef>
-            <a:spcAft>
-              <a:spcPct val="20000"/>
-            </a:spcAft>
-            <a:buChar char="••"/>
-          </a:pPr>
-          <a:r>
-            <a:rPr lang="en-IN" sz="1700" kern="1200" dirty="0" smtClean="0"/>
-            <a:t>Figures and description added for single/double-sided initiation</a:t>
-          </a:r>
-          <a:endParaRPr lang="en-IN" sz="1700" kern="1200" dirty="0"/>
-        </a:p>
-        <a:p>
-          <a:pPr marL="342900" lvl="2" indent="-171450" algn="l" defTabSz="755650">
-            <a:lnSpc>
-              <a:spcPct val="90000"/>
-            </a:lnSpc>
-            <a:spcBef>
-              <a:spcPct val="0"/>
-            </a:spcBef>
-            <a:spcAft>
-              <a:spcPct val="20000"/>
-            </a:spcAft>
-            <a:buChar char="••"/>
-          </a:pPr>
-          <a:r>
-            <a:rPr lang="en-IN" sz="1700" kern="1200" dirty="0" smtClean="0"/>
-            <a:t>Error handling! </a:t>
-          </a:r>
-          <a:endParaRPr lang="en-IN" sz="1700" kern="1200" dirty="0"/>
-        </a:p>
-      </dsp:txBody>
-      <dsp:txXfrm>
-        <a:off x="0" y="2254703"/>
-        <a:ext cx="5004486" cy="1366200"/>
-      </dsp:txXfrm>
-    </dsp:sp>
   </dsp:spTree>
 </dsp:drawing>
 </file>
@@ -8601,563 +6611,6 @@
       <dsp:cNvGrpSpPr/>
     </dsp:nvGrpSpPr>
     <dsp:grpSpPr/>
-    <dsp:sp modelId="{24454AD6-3780-477E-936F-5F10CF01A95E}">
-      <dsp:nvSpPr>
-        <dsp:cNvPr id="0" name=""/>
-        <dsp:cNvSpPr/>
-      </dsp:nvSpPr>
-      <dsp:spPr>
-        <a:xfrm>
-          <a:off x="0" y="320873"/>
-          <a:ext cx="10058399" cy="595350"/>
-        </a:xfrm>
-        <a:prstGeom prst="rect">
-          <a:avLst/>
-        </a:prstGeom>
-        <a:solidFill>
-          <a:schemeClr val="lt1">
-            <a:alpha val="90000"/>
-            <a:hueOff val="0"/>
-            <a:satOff val="0"/>
-            <a:lumOff val="0"/>
-            <a:alphaOff val="0"/>
-          </a:schemeClr>
-        </a:solidFill>
-        <a:ln w="12700" cap="flat" cmpd="sng" algn="ctr">
-          <a:solidFill>
-            <a:schemeClr val="accent5">
-              <a:hueOff val="0"/>
-              <a:satOff val="0"/>
-              <a:lumOff val="0"/>
-              <a:alphaOff val="0"/>
-            </a:schemeClr>
-          </a:solidFill>
-          <a:prstDash val="solid"/>
-        </a:ln>
-        <a:effectLst/>
-      </dsp:spPr>
-      <dsp:style>
-        <a:lnRef idx="2">
-          <a:scrgbClr r="0" g="0" b="0"/>
-        </a:lnRef>
-        <a:fillRef idx="1">
-          <a:scrgbClr r="0" g="0" b="0"/>
-        </a:fillRef>
-        <a:effectRef idx="0">
-          <a:scrgbClr r="0" g="0" b="0"/>
-        </a:effectRef>
-        <a:fontRef idx="minor"/>
-      </dsp:style>
-      <dsp:txBody>
-        <a:bodyPr spcFirstLastPara="0" vert="horz" wrap="square" lIns="780644" tIns="291592" rIns="780644" bIns="99568" numCol="1" spcCol="1270" anchor="t" anchorCtr="0">
-          <a:noAutofit/>
-        </a:bodyPr>
-        <a:lstStyle/>
-        <a:p>
-          <a:pPr marL="114300" lvl="1" indent="-114300" algn="l" defTabSz="622300">
-            <a:lnSpc>
-              <a:spcPct val="90000"/>
-            </a:lnSpc>
-            <a:spcBef>
-              <a:spcPct val="0"/>
-            </a:spcBef>
-            <a:spcAft>
-              <a:spcPct val="15000"/>
-            </a:spcAft>
-            <a:buChar char="••"/>
-          </a:pPr>
-          <a:r>
-            <a:rPr lang="en-US" sz="1400" kern="1200" dirty="0" smtClean="0"/>
-            <a:t>No update</a:t>
-          </a:r>
-          <a:endParaRPr lang="en-US" sz="1400" kern="1200" dirty="0"/>
-        </a:p>
-      </dsp:txBody>
-      <dsp:txXfrm>
-        <a:off x="0" y="320873"/>
-        <a:ext cx="10058399" cy="595350"/>
-      </dsp:txXfrm>
-    </dsp:sp>
-    <dsp:sp modelId="{8A8B0143-EC4F-4B7B-B292-85E5835A1500}">
-      <dsp:nvSpPr>
-        <dsp:cNvPr id="0" name=""/>
-        <dsp:cNvSpPr/>
-      </dsp:nvSpPr>
-      <dsp:spPr>
-        <a:xfrm>
-          <a:off x="502920" y="114233"/>
-          <a:ext cx="7040880" cy="413280"/>
-        </a:xfrm>
-        <a:prstGeom prst="roundRect">
-          <a:avLst/>
-        </a:prstGeom>
-        <a:solidFill>
-          <a:schemeClr val="accent5">
-            <a:hueOff val="0"/>
-            <a:satOff val="0"/>
-            <a:lumOff val="0"/>
-            <a:alphaOff val="0"/>
-          </a:schemeClr>
-        </a:solidFill>
-        <a:ln w="12700" cap="flat" cmpd="sng" algn="ctr">
-          <a:solidFill>
-            <a:schemeClr val="lt1">
-              <a:hueOff val="0"/>
-              <a:satOff val="0"/>
-              <a:lumOff val="0"/>
-              <a:alphaOff val="0"/>
-            </a:schemeClr>
-          </a:solidFill>
-          <a:prstDash val="solid"/>
-        </a:ln>
-        <a:effectLst/>
-      </dsp:spPr>
-      <dsp:style>
-        <a:lnRef idx="2">
-          <a:scrgbClr r="0" g="0" b="0"/>
-        </a:lnRef>
-        <a:fillRef idx="1">
-          <a:scrgbClr r="0" g="0" b="0"/>
-        </a:fillRef>
-        <a:effectRef idx="0">
-          <a:scrgbClr r="0" g="0" b="0"/>
-        </a:effectRef>
-        <a:fontRef idx="minor">
-          <a:schemeClr val="lt1"/>
-        </a:fontRef>
-      </dsp:style>
-      <dsp:txBody>
-        <a:bodyPr spcFirstLastPara="0" vert="horz" wrap="square" lIns="266129" tIns="0" rIns="266129" bIns="0" numCol="1" spcCol="1270" anchor="ctr" anchorCtr="0">
-          <a:noAutofit/>
-        </a:bodyPr>
-        <a:lstStyle/>
-        <a:p>
-          <a:pPr lvl="0" algn="l" defTabSz="622300">
-            <a:lnSpc>
-              <a:spcPct val="90000"/>
-            </a:lnSpc>
-            <a:spcBef>
-              <a:spcPct val="0"/>
-            </a:spcBef>
-            <a:spcAft>
-              <a:spcPct val="35000"/>
-            </a:spcAft>
-          </a:pPr>
-          <a:r>
-            <a:rPr lang="en-IN" sz="1400" kern="1200" dirty="0" smtClean="0"/>
-            <a:t>draft-zhang-pce-resource-sharing-06</a:t>
-          </a:r>
-          <a:endParaRPr lang="en-US" sz="1400" kern="1200" dirty="0"/>
-        </a:p>
-      </dsp:txBody>
-      <dsp:txXfrm>
-        <a:off x="523095" y="134408"/>
-        <a:ext cx="7000530" cy="372930"/>
-      </dsp:txXfrm>
-    </dsp:sp>
-    <dsp:sp modelId="{DFF76039-E66E-45BF-BDFC-DDE384ED4F30}">
-      <dsp:nvSpPr>
-        <dsp:cNvPr id="0" name=""/>
-        <dsp:cNvSpPr/>
-      </dsp:nvSpPr>
-      <dsp:spPr>
-        <a:xfrm>
-          <a:off x="0" y="1198463"/>
-          <a:ext cx="10058399" cy="1278900"/>
-        </a:xfrm>
-        <a:prstGeom prst="rect">
-          <a:avLst/>
-        </a:prstGeom>
-        <a:solidFill>
-          <a:schemeClr val="lt1">
-            <a:alpha val="90000"/>
-            <a:hueOff val="0"/>
-            <a:satOff val="0"/>
-            <a:lumOff val="0"/>
-            <a:alphaOff val="0"/>
-          </a:schemeClr>
-        </a:solidFill>
-        <a:ln w="12700" cap="flat" cmpd="sng" algn="ctr">
-          <a:solidFill>
-            <a:schemeClr val="accent5">
-              <a:hueOff val="-4990872"/>
-              <a:satOff val="-7727"/>
-              <a:lumOff val="0"/>
-              <a:alphaOff val="0"/>
-            </a:schemeClr>
-          </a:solidFill>
-          <a:prstDash val="solid"/>
-        </a:ln>
-        <a:effectLst/>
-      </dsp:spPr>
-      <dsp:style>
-        <a:lnRef idx="2">
-          <a:scrgbClr r="0" g="0" b="0"/>
-        </a:lnRef>
-        <a:fillRef idx="1">
-          <a:scrgbClr r="0" g="0" b="0"/>
-        </a:fillRef>
-        <a:effectRef idx="0">
-          <a:scrgbClr r="0" g="0" b="0"/>
-        </a:effectRef>
-        <a:fontRef idx="minor"/>
-      </dsp:style>
-      <dsp:txBody>
-        <a:bodyPr spcFirstLastPara="0" vert="horz" wrap="square" lIns="780644" tIns="291592" rIns="780644" bIns="99568" numCol="1" spcCol="1270" anchor="t" anchorCtr="0">
-          <a:noAutofit/>
-        </a:bodyPr>
-        <a:lstStyle/>
-        <a:p>
-          <a:pPr marL="114300" lvl="1" indent="-114300" algn="l" defTabSz="622300">
-            <a:lnSpc>
-              <a:spcPct val="90000"/>
-            </a:lnSpc>
-            <a:spcBef>
-              <a:spcPct val="0"/>
-            </a:spcBef>
-            <a:spcAft>
-              <a:spcPct val="15000"/>
-            </a:spcAft>
-            <a:buChar char="••"/>
-          </a:pPr>
-          <a:r>
-            <a:rPr lang="en-IN" sz="1400" kern="1200" dirty="0" smtClean="0"/>
-            <a:t>Capability advertisement (mandatory)</a:t>
-          </a:r>
-          <a:endParaRPr lang="en-IN" sz="1400" kern="1200" dirty="0"/>
-        </a:p>
-        <a:p>
-          <a:pPr marL="114300" lvl="1" indent="-114300" algn="l" defTabSz="622300">
-            <a:lnSpc>
-              <a:spcPct val="90000"/>
-            </a:lnSpc>
-            <a:spcBef>
-              <a:spcPct val="0"/>
-            </a:spcBef>
-            <a:spcAft>
-              <a:spcPct val="15000"/>
-            </a:spcAft>
-            <a:buChar char="••"/>
-          </a:pPr>
-          <a:r>
-            <a:rPr lang="en-IN" sz="1400" kern="1200" dirty="0" smtClean="0"/>
-            <a:t>Dynamic</a:t>
-          </a:r>
-          <a:endParaRPr lang="en-IN" sz="1400" kern="1200" dirty="0"/>
-        </a:p>
-        <a:p>
-          <a:pPr marL="114300" lvl="1" indent="-114300" algn="l" defTabSz="622300">
-            <a:lnSpc>
-              <a:spcPct val="90000"/>
-            </a:lnSpc>
-            <a:spcBef>
-              <a:spcPct val="0"/>
-            </a:spcBef>
-            <a:spcAft>
-              <a:spcPct val="15000"/>
-            </a:spcAft>
-            <a:buChar char="••"/>
-          </a:pPr>
-          <a:r>
-            <a:rPr lang="en-IN" sz="1400" kern="1200" dirty="0" smtClean="0"/>
-            <a:t>Error Handling</a:t>
-          </a:r>
-          <a:endParaRPr lang="en-IN" sz="1400" kern="1200" dirty="0"/>
-        </a:p>
-        <a:p>
-          <a:pPr marL="114300" lvl="1" indent="-114300" algn="l" defTabSz="622300">
-            <a:lnSpc>
-              <a:spcPct val="90000"/>
-            </a:lnSpc>
-            <a:spcBef>
-              <a:spcPct val="0"/>
-            </a:spcBef>
-            <a:spcAft>
-              <a:spcPct val="15000"/>
-            </a:spcAft>
-            <a:buChar char="••"/>
-          </a:pPr>
-          <a:r>
-            <a:rPr lang="en-IN" sz="1400" kern="1200" dirty="0" smtClean="0"/>
-            <a:t>Editorial Changes</a:t>
-          </a:r>
-          <a:endParaRPr lang="en-IN" sz="1400" kern="1200" dirty="0"/>
-        </a:p>
-      </dsp:txBody>
-      <dsp:txXfrm>
-        <a:off x="0" y="1198463"/>
-        <a:ext cx="10058399" cy="1278900"/>
-      </dsp:txXfrm>
-    </dsp:sp>
-    <dsp:sp modelId="{AF173329-0C95-4490-8C14-A1A9B169A3D8}">
-      <dsp:nvSpPr>
-        <dsp:cNvPr id="0" name=""/>
-        <dsp:cNvSpPr/>
-      </dsp:nvSpPr>
-      <dsp:spPr>
-        <a:xfrm>
-          <a:off x="502920" y="991823"/>
-          <a:ext cx="7040880" cy="413280"/>
-        </a:xfrm>
-        <a:prstGeom prst="roundRect">
-          <a:avLst/>
-        </a:prstGeom>
-        <a:solidFill>
-          <a:schemeClr val="accent5">
-            <a:hueOff val="-4990872"/>
-            <a:satOff val="-7727"/>
-            <a:lumOff val="0"/>
-            <a:alphaOff val="0"/>
-          </a:schemeClr>
-        </a:solidFill>
-        <a:ln w="12700" cap="flat" cmpd="sng" algn="ctr">
-          <a:solidFill>
-            <a:schemeClr val="lt1">
-              <a:hueOff val="0"/>
-              <a:satOff val="0"/>
-              <a:lumOff val="0"/>
-              <a:alphaOff val="0"/>
-            </a:schemeClr>
-          </a:solidFill>
-          <a:prstDash val="solid"/>
-        </a:ln>
-        <a:effectLst/>
-      </dsp:spPr>
-      <dsp:style>
-        <a:lnRef idx="2">
-          <a:scrgbClr r="0" g="0" b="0"/>
-        </a:lnRef>
-        <a:fillRef idx="1">
-          <a:scrgbClr r="0" g="0" b="0"/>
-        </a:fillRef>
-        <a:effectRef idx="0">
-          <a:scrgbClr r="0" g="0" b="0"/>
-        </a:effectRef>
-        <a:fontRef idx="minor">
-          <a:schemeClr val="lt1"/>
-        </a:fontRef>
-      </dsp:style>
-      <dsp:txBody>
-        <a:bodyPr spcFirstLastPara="0" vert="horz" wrap="square" lIns="266129" tIns="0" rIns="266129" bIns="0" numCol="1" spcCol="1270" anchor="ctr" anchorCtr="0">
-          <a:noAutofit/>
-        </a:bodyPr>
-        <a:lstStyle/>
-        <a:p>
-          <a:pPr lvl="0" algn="l" defTabSz="622300">
-            <a:lnSpc>
-              <a:spcPct val="90000"/>
-            </a:lnSpc>
-            <a:spcBef>
-              <a:spcPct val="0"/>
-            </a:spcBef>
-            <a:spcAft>
-              <a:spcPct val="35000"/>
-            </a:spcAft>
-          </a:pPr>
-          <a:r>
-            <a:rPr lang="en-IN" sz="1400" kern="1200" dirty="0" smtClean="0"/>
-            <a:t>draft-tanaka-pce-stateful-pce-mbb-06</a:t>
-          </a:r>
-          <a:endParaRPr lang="en-IN" sz="1400" kern="1200" dirty="0"/>
-        </a:p>
-      </dsp:txBody>
-      <dsp:txXfrm>
-        <a:off x="523095" y="1011998"/>
-        <a:ext cx="7000530" cy="372930"/>
-      </dsp:txXfrm>
-    </dsp:sp>
-    <dsp:sp modelId="{40B9FC26-1682-40E6-B9C8-B4578AF4538D}">
-      <dsp:nvSpPr>
-        <dsp:cNvPr id="0" name=""/>
-        <dsp:cNvSpPr/>
-      </dsp:nvSpPr>
-      <dsp:spPr>
-        <a:xfrm>
-          <a:off x="0" y="2759603"/>
-          <a:ext cx="10058399" cy="1058400"/>
-        </a:xfrm>
-        <a:prstGeom prst="rect">
-          <a:avLst/>
-        </a:prstGeom>
-        <a:solidFill>
-          <a:schemeClr val="lt1">
-            <a:alpha val="90000"/>
-            <a:hueOff val="0"/>
-            <a:satOff val="0"/>
-            <a:lumOff val="0"/>
-            <a:alphaOff val="0"/>
-          </a:schemeClr>
-        </a:solidFill>
-        <a:ln w="12700" cap="flat" cmpd="sng" algn="ctr">
-          <a:solidFill>
-            <a:schemeClr val="accent5">
-              <a:hueOff val="-9981745"/>
-              <a:satOff val="-15454"/>
-              <a:lumOff val="0"/>
-              <a:alphaOff val="0"/>
-            </a:schemeClr>
-          </a:solidFill>
-          <a:prstDash val="solid"/>
-        </a:ln>
-        <a:effectLst/>
-      </dsp:spPr>
-      <dsp:style>
-        <a:lnRef idx="2">
-          <a:scrgbClr r="0" g="0" b="0"/>
-        </a:lnRef>
-        <a:fillRef idx="1">
-          <a:scrgbClr r="0" g="0" b="0"/>
-        </a:fillRef>
-        <a:effectRef idx="0">
-          <a:scrgbClr r="0" g="0" b="0"/>
-        </a:effectRef>
-        <a:fontRef idx="minor"/>
-      </dsp:style>
-      <dsp:txBody>
-        <a:bodyPr spcFirstLastPara="0" vert="horz" wrap="square" lIns="780644" tIns="291592" rIns="780644" bIns="99568" numCol="1" spcCol="1270" anchor="t" anchorCtr="0">
-          <a:noAutofit/>
-        </a:bodyPr>
-        <a:lstStyle/>
-        <a:p>
-          <a:pPr marL="114300" lvl="1" indent="-114300" algn="l" defTabSz="622300">
-            <a:lnSpc>
-              <a:spcPct val="90000"/>
-            </a:lnSpc>
-            <a:spcBef>
-              <a:spcPct val="0"/>
-            </a:spcBef>
-            <a:spcAft>
-              <a:spcPct val="15000"/>
-            </a:spcAft>
-            <a:buChar char="••"/>
-          </a:pPr>
-          <a:r>
-            <a:rPr lang="en-IN" sz="1400" kern="1200" dirty="0" smtClean="0"/>
-            <a:t>New I-D for associating various candidate SR path belonging to a SR-TE policy</a:t>
-          </a:r>
-          <a:endParaRPr lang="en-IN" sz="1400" kern="1200" dirty="0"/>
-        </a:p>
-        <a:p>
-          <a:pPr marL="114300" lvl="1" indent="-114300" algn="l" defTabSz="622300">
-            <a:lnSpc>
-              <a:spcPct val="90000"/>
-            </a:lnSpc>
-            <a:spcBef>
-              <a:spcPct val="0"/>
-            </a:spcBef>
-            <a:spcAft>
-              <a:spcPct val="15000"/>
-            </a:spcAft>
-            <a:buChar char="••"/>
-          </a:pPr>
-          <a:r>
-            <a:rPr lang="en-US" sz="1400" kern="1200" dirty="0" smtClean="0"/>
-            <a:t>SR Candidate Path Association Group</a:t>
-          </a:r>
-          <a:endParaRPr lang="en-IN" sz="1400" kern="1200" dirty="0"/>
-        </a:p>
-        <a:p>
-          <a:pPr marL="228600" lvl="2" indent="-114300" algn="l" defTabSz="622300">
-            <a:lnSpc>
-              <a:spcPct val="90000"/>
-            </a:lnSpc>
-            <a:spcBef>
-              <a:spcPct val="0"/>
-            </a:spcBef>
-            <a:spcAft>
-              <a:spcPct val="15000"/>
-            </a:spcAft>
-            <a:buChar char="••"/>
-          </a:pPr>
-          <a:r>
-            <a:rPr lang="en-US" sz="1400" kern="1200" dirty="0" smtClean="0"/>
-            <a:t>with a TLV to identify SR-TE policy (Color, Destination end-point, Preference)</a:t>
-          </a:r>
-          <a:endParaRPr lang="en-IN" sz="1400" kern="1200" dirty="0"/>
-        </a:p>
-      </dsp:txBody>
-      <dsp:txXfrm>
-        <a:off x="0" y="2759603"/>
-        <a:ext cx="10058399" cy="1058400"/>
-      </dsp:txXfrm>
-    </dsp:sp>
-    <dsp:sp modelId="{A740E12B-0924-4372-AEDF-AFC9B4691312}">
-      <dsp:nvSpPr>
-        <dsp:cNvPr id="0" name=""/>
-        <dsp:cNvSpPr/>
-      </dsp:nvSpPr>
-      <dsp:spPr>
-        <a:xfrm>
-          <a:off x="502920" y="2552963"/>
-          <a:ext cx="7040880" cy="413280"/>
-        </a:xfrm>
-        <a:prstGeom prst="roundRect">
-          <a:avLst/>
-        </a:prstGeom>
-        <a:solidFill>
-          <a:schemeClr val="accent5">
-            <a:hueOff val="-9981745"/>
-            <a:satOff val="-15454"/>
-            <a:lumOff val="0"/>
-            <a:alphaOff val="0"/>
-          </a:schemeClr>
-        </a:solidFill>
-        <a:ln w="12700" cap="flat" cmpd="sng" algn="ctr">
-          <a:solidFill>
-            <a:schemeClr val="lt1">
-              <a:hueOff val="0"/>
-              <a:satOff val="0"/>
-              <a:lumOff val="0"/>
-              <a:alphaOff val="0"/>
-            </a:schemeClr>
-          </a:solidFill>
-          <a:prstDash val="solid"/>
-        </a:ln>
-        <a:effectLst/>
-      </dsp:spPr>
-      <dsp:style>
-        <a:lnRef idx="2">
-          <a:scrgbClr r="0" g="0" b="0"/>
-        </a:lnRef>
-        <a:fillRef idx="1">
-          <a:scrgbClr r="0" g="0" b="0"/>
-        </a:fillRef>
-        <a:effectRef idx="0">
-          <a:scrgbClr r="0" g="0" b="0"/>
-        </a:effectRef>
-        <a:fontRef idx="minor">
-          <a:schemeClr val="lt1"/>
-        </a:fontRef>
-      </dsp:style>
-      <dsp:txBody>
-        <a:bodyPr spcFirstLastPara="0" vert="horz" wrap="square" lIns="266129" tIns="0" rIns="266129" bIns="0" numCol="1" spcCol="1270" anchor="ctr" anchorCtr="0">
-          <a:noAutofit/>
-        </a:bodyPr>
-        <a:lstStyle/>
-        <a:p>
-          <a:pPr lvl="0" algn="l" defTabSz="622300">
-            <a:lnSpc>
-              <a:spcPct val="90000"/>
-            </a:lnSpc>
-            <a:spcBef>
-              <a:spcPct val="0"/>
-            </a:spcBef>
-            <a:spcAft>
-              <a:spcPct val="35000"/>
-            </a:spcAft>
-          </a:pPr>
-          <a:r>
-            <a:rPr lang="en-IN" sz="1400" b="0" i="0" kern="1200" dirty="0" smtClean="0"/>
-            <a:t>draft-barth-pce-segment-routing-policy-cp-00</a:t>
-          </a:r>
-          <a:endParaRPr lang="en-IN" sz="1400" kern="1200" dirty="0"/>
-        </a:p>
-      </dsp:txBody>
-      <dsp:txXfrm>
-        <a:off x="523095" y="2573138"/>
-        <a:ext cx="7000530" cy="372930"/>
-      </dsp:txXfrm>
-    </dsp:sp>
   </dsp:spTree>
 </dsp:drawing>
 </file>
@@ -21226,7 +18679,15 @@
           <a:p>
             <a:r>
               <a:rPr lang="en-US" dirty="0" smtClean="0"/>
-              <a:t>This is quite an useful feature..</a:t>
+              <a:t>This is quite </a:t>
+            </a:r>
+            <a:r>
+              <a:rPr lang="en-US" dirty="0" smtClean="0"/>
+              <a:t>a </a:t>
+            </a:r>
+            <a:r>
+              <a:rPr lang="en-US" dirty="0" smtClean="0"/>
+              <a:t>useful feature..</a:t>
             </a:r>
           </a:p>
           <a:p>
